--- a/我的神我敬拜你.pptx
+++ b/我的神我敬拜你.pptx
@@ -290,7 +290,7 @@
             <a:fld id="{5BBEAD13-0566-4C6C-97E7-55F17F24B09F}" type="datetimeFigureOut">
               <a:rPr lang="zh-TW" altLang="en-US" smtClean="0"/>
               <a:pPr/>
-              <a:t>2018/2/2</a:t>
+              <a:t>2019/1/12</a:t>
             </a:fld>
             <a:endParaRPr lang="zh-TW" altLang="en-US"/>
           </a:p>
@@ -457,7 +457,7 @@
             <a:fld id="{5BBEAD13-0566-4C6C-97E7-55F17F24B09F}" type="datetimeFigureOut">
               <a:rPr lang="zh-TW" altLang="en-US" smtClean="0"/>
               <a:pPr/>
-              <a:t>2018/2/2</a:t>
+              <a:t>2019/1/12</a:t>
             </a:fld>
             <a:endParaRPr lang="zh-TW" altLang="en-US"/>
           </a:p>
@@ -634,7 +634,7 @@
             <a:fld id="{5BBEAD13-0566-4C6C-97E7-55F17F24B09F}" type="datetimeFigureOut">
               <a:rPr lang="zh-TW" altLang="en-US" smtClean="0"/>
               <a:pPr/>
-              <a:t>2018/2/2</a:t>
+              <a:t>2019/1/12</a:t>
             </a:fld>
             <a:endParaRPr lang="zh-TW" altLang="en-US"/>
           </a:p>
@@ -801,7 +801,7 @@
             <a:fld id="{5BBEAD13-0566-4C6C-97E7-55F17F24B09F}" type="datetimeFigureOut">
               <a:rPr lang="zh-TW" altLang="en-US" smtClean="0"/>
               <a:pPr/>
-              <a:t>2018/2/2</a:t>
+              <a:t>2019/1/12</a:t>
             </a:fld>
             <a:endParaRPr lang="zh-TW" altLang="en-US"/>
           </a:p>
@@ -1044,7 +1044,7 @@
             <a:fld id="{5BBEAD13-0566-4C6C-97E7-55F17F24B09F}" type="datetimeFigureOut">
               <a:rPr lang="zh-TW" altLang="en-US" smtClean="0"/>
               <a:pPr/>
-              <a:t>2018/2/2</a:t>
+              <a:t>2019/1/12</a:t>
             </a:fld>
             <a:endParaRPr lang="zh-TW" altLang="en-US"/>
           </a:p>
@@ -1329,7 +1329,7 @@
             <a:fld id="{5BBEAD13-0566-4C6C-97E7-55F17F24B09F}" type="datetimeFigureOut">
               <a:rPr lang="zh-TW" altLang="en-US" smtClean="0"/>
               <a:pPr/>
-              <a:t>2018/2/2</a:t>
+              <a:t>2019/1/12</a:t>
             </a:fld>
             <a:endParaRPr lang="zh-TW" altLang="en-US"/>
           </a:p>
@@ -1748,7 +1748,7 @@
             <a:fld id="{5BBEAD13-0566-4C6C-97E7-55F17F24B09F}" type="datetimeFigureOut">
               <a:rPr lang="zh-TW" altLang="en-US" smtClean="0"/>
               <a:pPr/>
-              <a:t>2018/2/2</a:t>
+              <a:t>2019/1/12</a:t>
             </a:fld>
             <a:endParaRPr lang="zh-TW" altLang="en-US"/>
           </a:p>
@@ -1863,7 +1863,7 @@
             <a:fld id="{5BBEAD13-0566-4C6C-97E7-55F17F24B09F}" type="datetimeFigureOut">
               <a:rPr lang="zh-TW" altLang="en-US" smtClean="0"/>
               <a:pPr/>
-              <a:t>2018/2/2</a:t>
+              <a:t>2019/1/12</a:t>
             </a:fld>
             <a:endParaRPr lang="zh-TW" altLang="en-US"/>
           </a:p>
@@ -1955,7 +1955,7 @@
             <a:fld id="{5BBEAD13-0566-4C6C-97E7-55F17F24B09F}" type="datetimeFigureOut">
               <a:rPr lang="zh-TW" altLang="en-US" smtClean="0"/>
               <a:pPr/>
-              <a:t>2018/2/2</a:t>
+              <a:t>2019/1/12</a:t>
             </a:fld>
             <a:endParaRPr lang="zh-TW" altLang="en-US"/>
           </a:p>
@@ -2229,7 +2229,7 @@
             <a:fld id="{5BBEAD13-0566-4C6C-97E7-55F17F24B09F}" type="datetimeFigureOut">
               <a:rPr lang="zh-TW" altLang="en-US" smtClean="0"/>
               <a:pPr/>
-              <a:t>2018/2/2</a:t>
+              <a:t>2019/1/12</a:t>
             </a:fld>
             <a:endParaRPr lang="zh-TW" altLang="en-US"/>
           </a:p>
@@ -2483,7 +2483,7 @@
             <a:fld id="{5BBEAD13-0566-4C6C-97E7-55F17F24B09F}" type="datetimeFigureOut">
               <a:rPr lang="zh-TW" altLang="en-US" smtClean="0"/>
               <a:pPr/>
-              <a:t>2018/2/2</a:t>
+              <a:t>2019/1/12</a:t>
             </a:fld>
             <a:endParaRPr lang="zh-TW" altLang="en-US"/>
           </a:p>
@@ -2698,7 +2698,7 @@
             <a:fld id="{5BBEAD13-0566-4C6C-97E7-55F17F24B09F}" type="datetimeFigureOut">
               <a:rPr lang="zh-TW" altLang="en-US" smtClean="0"/>
               <a:pPr/>
-              <a:t>2018/2/2</a:t>
+              <a:t>2019/1/12</a:t>
             </a:fld>
             <a:endParaRPr lang="zh-TW" altLang="en-US"/>
           </a:p>
@@ -3086,6 +3086,9 @@
           <a:p>
             <a:r>
               <a:rPr lang="zh-TW" altLang="en-US" b="1" dirty="0">
+                <a:solidFill>
+                  <a:srgbClr val="660033"/>
+                </a:solidFill>
                 <a:latin typeface="微軟正黑體" pitchFamily="34" charset="-120"/>
                 <a:ea typeface="微軟正黑體" pitchFamily="34" charset="-120"/>
               </a:rPr>
@@ -3116,6 +3119,9 @@
             </a:pPr>
             <a:r>
               <a:rPr lang="zh-TW" altLang="en-US" sz="5400" b="1" dirty="0">
+                <a:solidFill>
+                  <a:srgbClr val="660033"/>
+                </a:solidFill>
                 <a:latin typeface="微軟正黑體" pitchFamily="34" charset="-120"/>
                 <a:ea typeface="微軟正黑體" pitchFamily="34" charset="-120"/>
               </a:rPr>
@@ -3123,6 +3129,9 @@
             </a:r>
             <a:r>
               <a:rPr lang="zh-TW" altLang="en-US" sz="5400" b="1" dirty="0" smtClean="0">
+                <a:solidFill>
+                  <a:srgbClr val="660033"/>
+                </a:solidFill>
                 <a:latin typeface="微軟正黑體" pitchFamily="34" charset="-120"/>
                 <a:ea typeface="微軟正黑體" pitchFamily="34" charset="-120"/>
               </a:rPr>
@@ -3130,6 +3139,9 @@
             </a:r>
             <a:r>
               <a:rPr lang="zh-TW" altLang="en-US" sz="5400" b="1" dirty="0">
+                <a:solidFill>
+                  <a:srgbClr val="660033"/>
+                </a:solidFill>
                 <a:latin typeface="微軟正黑體" pitchFamily="34" charset="-120"/>
                 <a:ea typeface="微軟正黑體" pitchFamily="34" charset="-120"/>
               </a:rPr>
@@ -3137,12 +3149,18 @@
             </a:r>
             <a:r>
               <a:rPr lang="zh-TW" altLang="en-US" sz="5400" b="1" dirty="0" smtClean="0">
+                <a:solidFill>
+                  <a:srgbClr val="660033"/>
+                </a:solidFill>
                 <a:latin typeface="微軟正黑體" pitchFamily="34" charset="-120"/>
                 <a:ea typeface="微軟正黑體" pitchFamily="34" charset="-120"/>
               </a:rPr>
               <a:t>你</a:t>
             </a:r>
             <a:endParaRPr lang="en-US" altLang="zh-TW" sz="5400" b="1" dirty="0">
+              <a:solidFill>
+                <a:srgbClr val="660033"/>
+              </a:solidFill>
               <a:latin typeface="微軟正黑體" pitchFamily="34" charset="-120"/>
               <a:ea typeface="微軟正黑體" pitchFamily="34" charset="-120"/>
             </a:endParaRPr>
@@ -3153,6 +3171,9 @@
             </a:pPr>
             <a:r>
               <a:rPr lang="zh-TW" altLang="en-US" sz="5400" b="1" dirty="0" smtClean="0">
+                <a:solidFill>
+                  <a:srgbClr val="660033"/>
+                </a:solidFill>
                 <a:latin typeface="微軟正黑體" pitchFamily="34" charset="-120"/>
                 <a:ea typeface="微軟正黑體" pitchFamily="34" charset="-120"/>
               </a:rPr>
@@ -3160,6 +3181,9 @@
             </a:r>
             <a:r>
               <a:rPr lang="zh-TW" altLang="en-US" sz="5400" b="1" dirty="0">
+                <a:solidFill>
+                  <a:srgbClr val="660033"/>
+                </a:solidFill>
                 <a:latin typeface="微軟正黑體" pitchFamily="34" charset="-120"/>
                 <a:ea typeface="微軟正黑體" pitchFamily="34" charset="-120"/>
               </a:rPr>
@@ -3167,12 +3191,18 @@
             </a:r>
             <a:r>
               <a:rPr lang="zh-TW" altLang="en-US" sz="5400" b="1" dirty="0" smtClean="0">
+                <a:solidFill>
+                  <a:srgbClr val="660033"/>
+                </a:solidFill>
                 <a:latin typeface="微軟正黑體" pitchFamily="34" charset="-120"/>
                 <a:ea typeface="微軟正黑體" pitchFamily="34" charset="-120"/>
               </a:rPr>
               <a:t>你</a:t>
             </a:r>
             <a:endParaRPr lang="en-US" altLang="zh-TW" sz="5400" b="1" dirty="0">
+              <a:solidFill>
+                <a:srgbClr val="660033"/>
+              </a:solidFill>
               <a:latin typeface="微軟正黑體" pitchFamily="34" charset="-120"/>
               <a:ea typeface="微軟正黑體" pitchFamily="34" charset="-120"/>
             </a:endParaRPr>
@@ -3183,6 +3213,9 @@
             </a:pPr>
             <a:r>
               <a:rPr lang="zh-TW" altLang="en-US" sz="5400" b="1" dirty="0" smtClean="0">
+                <a:solidFill>
+                  <a:srgbClr val="660033"/>
+                </a:solidFill>
                 <a:latin typeface="微軟正黑體" pitchFamily="34" charset="-120"/>
                 <a:ea typeface="微軟正黑體" pitchFamily="34" charset="-120"/>
               </a:rPr>
@@ -3190,6 +3223,9 @@
             </a:r>
             <a:r>
               <a:rPr lang="zh-TW" altLang="en-US" sz="5400" b="1" dirty="0">
+                <a:solidFill>
+                  <a:srgbClr val="660033"/>
+                </a:solidFill>
                 <a:latin typeface="微軟正黑體" pitchFamily="34" charset="-120"/>
                 <a:ea typeface="微軟正黑體" pitchFamily="34" charset="-120"/>
               </a:rPr>
@@ -3197,12 +3233,18 @@
             </a:r>
             <a:r>
               <a:rPr lang="zh-TW" altLang="en-US" sz="5400" b="1" dirty="0" smtClean="0">
+                <a:solidFill>
+                  <a:srgbClr val="660033"/>
+                </a:solidFill>
                 <a:latin typeface="微軟正黑體" pitchFamily="34" charset="-120"/>
                 <a:ea typeface="微軟正黑體" pitchFamily="34" charset="-120"/>
               </a:rPr>
               <a:t>前</a:t>
             </a:r>
             <a:endParaRPr lang="en-US" altLang="zh-TW" sz="5400" b="1" dirty="0" smtClean="0">
+              <a:solidFill>
+                <a:srgbClr val="660033"/>
+              </a:solidFill>
               <a:latin typeface="微軟正黑體" pitchFamily="34" charset="-120"/>
               <a:ea typeface="微軟正黑體" pitchFamily="34" charset="-120"/>
             </a:endParaRPr>
@@ -3213,6 +3255,9 @@
             </a:pPr>
             <a:r>
               <a:rPr lang="zh-TW" altLang="en-US" sz="5400" b="1" dirty="0" smtClean="0">
+                <a:solidFill>
+                  <a:srgbClr val="660033"/>
+                </a:solidFill>
                 <a:latin typeface="微軟正黑體" pitchFamily="34" charset="-120"/>
                 <a:ea typeface="微軟正黑體" pitchFamily="34" charset="-120"/>
               </a:rPr>
@@ -3220,6 +3265,9 @@
             </a:r>
             <a:r>
               <a:rPr lang="zh-TW" altLang="en-US" sz="5400" b="1" dirty="0">
+                <a:solidFill>
+                  <a:srgbClr val="660033"/>
+                </a:solidFill>
                 <a:latin typeface="微軟正黑體" pitchFamily="34" charset="-120"/>
                 <a:ea typeface="微軟正黑體" pitchFamily="34" charset="-120"/>
               </a:rPr>
@@ -3227,12 +3275,18 @@
             </a:r>
             <a:r>
               <a:rPr lang="zh-TW" altLang="en-US" sz="5400" b="1" dirty="0" smtClean="0">
+                <a:solidFill>
+                  <a:srgbClr val="660033"/>
+                </a:solidFill>
                 <a:latin typeface="微軟正黑體" pitchFamily="34" charset="-120"/>
                 <a:ea typeface="微軟正黑體" pitchFamily="34" charset="-120"/>
               </a:rPr>
               <a:t>恩典</a:t>
             </a:r>
             <a:endParaRPr lang="en-US" altLang="zh-TW" sz="5400" b="1" dirty="0" smtClean="0">
+              <a:solidFill>
+                <a:srgbClr val="660033"/>
+              </a:solidFill>
               <a:latin typeface="微軟正黑體" pitchFamily="34" charset="-120"/>
               <a:ea typeface="微軟正黑體" pitchFamily="34" charset="-120"/>
             </a:endParaRPr>
@@ -3243,6 +3297,9 @@
             </a:pPr>
             <a:r>
               <a:rPr lang="zh-TW" altLang="en-US" sz="5400" b="1" dirty="0" smtClean="0">
+                <a:solidFill>
+                  <a:srgbClr val="660033"/>
+                </a:solidFill>
                 <a:latin typeface="微軟正黑體" pitchFamily="34" charset="-120"/>
                 <a:ea typeface="微軟正黑體" pitchFamily="34" charset="-120"/>
               </a:rPr>
@@ -3250,6 +3307,9 @@
             </a:r>
             <a:r>
               <a:rPr lang="zh-TW" altLang="en-US" sz="5400" b="1" dirty="0">
+                <a:solidFill>
+                  <a:srgbClr val="660033"/>
+                </a:solidFill>
                 <a:latin typeface="微軟正黑體" pitchFamily="34" charset="-120"/>
                 <a:ea typeface="微軟正黑體" pitchFamily="34" charset="-120"/>
               </a:rPr>
@@ -3300,6 +3360,9 @@
           <a:p>
             <a:r>
               <a:rPr lang="zh-TW" altLang="en-US" b="1" dirty="0">
+                <a:solidFill>
+                  <a:srgbClr val="660033"/>
+                </a:solidFill>
                 <a:latin typeface="微軟正黑體" pitchFamily="34" charset="-120"/>
                 <a:ea typeface="微軟正黑體" pitchFamily="34" charset="-120"/>
               </a:rPr>
@@ -3330,6 +3393,9 @@
             </a:pPr>
             <a:r>
               <a:rPr lang="zh-TW" altLang="en-US" sz="5400" b="1" dirty="0">
+                <a:solidFill>
+                  <a:srgbClr val="660033"/>
+                </a:solidFill>
                 <a:latin typeface="微軟正黑體" pitchFamily="34" charset="-120"/>
                 <a:ea typeface="微軟正黑體" pitchFamily="34" charset="-120"/>
               </a:rPr>
@@ -3337,12 +3403,18 @@
             </a:r>
             <a:r>
               <a:rPr lang="zh-TW" altLang="en-US" sz="5400" b="1" dirty="0" smtClean="0">
+                <a:solidFill>
+                  <a:srgbClr val="660033"/>
+                </a:solidFill>
                 <a:latin typeface="微軟正黑體" pitchFamily="34" charset="-120"/>
                 <a:ea typeface="微軟正黑體" pitchFamily="34" charset="-120"/>
               </a:rPr>
               <a:t>滿足</a:t>
             </a:r>
             <a:endParaRPr lang="en-US" altLang="zh-TW" sz="5400" b="1" dirty="0" smtClean="0">
+              <a:solidFill>
+                <a:srgbClr val="660033"/>
+              </a:solidFill>
               <a:latin typeface="微軟正黑體" pitchFamily="34" charset="-120"/>
               <a:ea typeface="微軟正黑體" pitchFamily="34" charset="-120"/>
             </a:endParaRPr>
@@ -3353,6 +3425,9 @@
             </a:pPr>
             <a:r>
               <a:rPr lang="zh-TW" altLang="en-US" sz="5400" b="1" dirty="0" smtClean="0">
+                <a:solidFill>
+                  <a:srgbClr val="660033"/>
+                </a:solidFill>
                 <a:latin typeface="微軟正黑體" pitchFamily="34" charset="-120"/>
                 <a:ea typeface="微軟正黑體" pitchFamily="34" charset="-120"/>
               </a:rPr>
@@ -3360,6 +3435,9 @@
             </a:r>
             <a:r>
               <a:rPr lang="zh-TW" altLang="en-US" sz="5400" b="1" dirty="0">
+                <a:solidFill>
+                  <a:srgbClr val="660033"/>
+                </a:solidFill>
                 <a:latin typeface="微軟正黑體" pitchFamily="34" charset="-120"/>
                 <a:ea typeface="微軟正黑體" pitchFamily="34" charset="-120"/>
               </a:rPr>
@@ -3367,12 +3445,18 @@
             </a:r>
             <a:r>
               <a:rPr lang="zh-TW" altLang="en-US" sz="5400" b="1" dirty="0" smtClean="0">
+                <a:solidFill>
+                  <a:srgbClr val="660033"/>
+                </a:solidFill>
                 <a:latin typeface="微軟正黑體" pitchFamily="34" charset="-120"/>
                 <a:ea typeface="微軟正黑體" pitchFamily="34" charset="-120"/>
               </a:rPr>
               <a:t>喜樂</a:t>
             </a:r>
             <a:endParaRPr lang="en-US" altLang="zh-TW" sz="5400" b="1" dirty="0">
+              <a:solidFill>
+                <a:srgbClr val="660033"/>
+              </a:solidFill>
               <a:latin typeface="微軟正黑體" pitchFamily="34" charset="-120"/>
               <a:ea typeface="微軟正黑體" pitchFamily="34" charset="-120"/>
             </a:endParaRPr>
@@ -3383,6 +3467,9 @@
             </a:pPr>
             <a:r>
               <a:rPr lang="zh-TW" altLang="en-US" sz="5400" b="1" dirty="0" smtClean="0">
+                <a:solidFill>
+                  <a:srgbClr val="660033"/>
+                </a:solidFill>
                 <a:latin typeface="微軟正黑體" pitchFamily="34" charset="-120"/>
                 <a:ea typeface="微軟正黑體" pitchFamily="34" charset="-120"/>
               </a:rPr>
@@ -3390,6 +3477,9 @@
             </a:r>
             <a:r>
               <a:rPr lang="zh-TW" altLang="en-US" sz="5400" b="1" dirty="0">
+                <a:solidFill>
+                  <a:srgbClr val="660033"/>
+                </a:solidFill>
                 <a:latin typeface="微軟正黑體" pitchFamily="34" charset="-120"/>
                 <a:ea typeface="微軟正黑體" pitchFamily="34" charset="-120"/>
               </a:rPr>
@@ -3397,12 +3487,18 @@
             </a:r>
             <a:r>
               <a:rPr lang="zh-TW" altLang="en-US" sz="5400" b="1" dirty="0" smtClean="0">
+                <a:solidFill>
+                  <a:srgbClr val="660033"/>
+                </a:solidFill>
                 <a:latin typeface="微軟正黑體" pitchFamily="34" charset="-120"/>
                 <a:ea typeface="微軟正黑體" pitchFamily="34" charset="-120"/>
               </a:rPr>
               <a:t>前</a:t>
             </a:r>
             <a:endParaRPr lang="en-US" altLang="zh-TW" sz="5400" b="1" dirty="0" smtClean="0">
+              <a:solidFill>
+                <a:srgbClr val="660033"/>
+              </a:solidFill>
               <a:latin typeface="微軟正黑體" pitchFamily="34" charset="-120"/>
               <a:ea typeface="微軟正黑體" pitchFamily="34" charset="-120"/>
             </a:endParaRPr>
@@ -3413,6 +3509,9 @@
             </a:pPr>
             <a:r>
               <a:rPr lang="zh-TW" altLang="en-US" sz="5400" b="1" dirty="0" smtClean="0">
+                <a:solidFill>
+                  <a:srgbClr val="660033"/>
+                </a:solidFill>
                 <a:latin typeface="微軟正黑體" pitchFamily="34" charset="-120"/>
                 <a:ea typeface="微軟正黑體" pitchFamily="34" charset="-120"/>
               </a:rPr>
@@ -3420,6 +3519,9 @@
             </a:r>
             <a:r>
               <a:rPr lang="zh-TW" altLang="en-US" sz="5400" b="1" dirty="0">
+                <a:solidFill>
+                  <a:srgbClr val="660033"/>
+                </a:solidFill>
                 <a:latin typeface="微軟正黑體" pitchFamily="34" charset="-120"/>
                 <a:ea typeface="微軟正黑體" pitchFamily="34" charset="-120"/>
               </a:rPr>
@@ -3427,12 +3529,18 @@
             </a:r>
             <a:r>
               <a:rPr lang="zh-TW" altLang="en-US" sz="5400" b="1" dirty="0" smtClean="0">
+                <a:solidFill>
+                  <a:srgbClr val="660033"/>
+                </a:solidFill>
                 <a:latin typeface="微軟正黑體" pitchFamily="34" charset="-120"/>
                 <a:ea typeface="微軟正黑體" pitchFamily="34" charset="-120"/>
               </a:rPr>
               <a:t>恩典</a:t>
             </a:r>
             <a:endParaRPr lang="en-US" altLang="zh-TW" sz="5400" b="1" dirty="0" smtClean="0">
+              <a:solidFill>
+                <a:srgbClr val="660033"/>
+              </a:solidFill>
               <a:latin typeface="微軟正黑體" pitchFamily="34" charset="-120"/>
               <a:ea typeface="微軟正黑體" pitchFamily="34" charset="-120"/>
             </a:endParaRPr>
@@ -3443,6 +3551,9 @@
             </a:pPr>
             <a:r>
               <a:rPr lang="zh-TW" altLang="en-US" sz="5400" b="1" dirty="0" smtClean="0">
+                <a:solidFill>
+                  <a:srgbClr val="660033"/>
+                </a:solidFill>
                 <a:latin typeface="微軟正黑體" pitchFamily="34" charset="-120"/>
                 <a:ea typeface="微軟正黑體" pitchFamily="34" charset="-120"/>
               </a:rPr>
@@ -3450,6 +3561,9 @@
             </a:r>
             <a:r>
               <a:rPr lang="zh-TW" altLang="en-US" sz="5400" b="1" dirty="0">
+                <a:solidFill>
+                  <a:srgbClr val="660033"/>
+                </a:solidFill>
                 <a:latin typeface="微軟正黑體" pitchFamily="34" charset="-120"/>
                 <a:ea typeface="微軟正黑體" pitchFamily="34" charset="-120"/>
               </a:rPr>

--- a/我的神我敬拜你.pptx
+++ b/我的神我敬拜你.pptx
@@ -8,7 +8,7 @@
     <p:sldId id="256" r:id="rId2"/>
     <p:sldId id="257" r:id="rId3"/>
   </p:sldIdLst>
-  <p:sldSz cx="9144000" cy="6858000" type="screen4x3"/>
+  <p:sldSz cx="12192000" cy="6858000"/>
   <p:notesSz cx="6858000" cy="9144000"/>
   <p:defaultTextStyle>
     <a:defPPr>
@@ -105,6 +105,22 @@
       </a:defRPr>
     </a:lvl9pPr>
   </p:defaultTextStyle>
+  <p:extLst>
+    <p:ext uri="{EFAFB233-063F-42B5-8137-9DF3F51BA10A}">
+      <p15:sldGuideLst xmlns:p15="http://schemas.microsoft.com/office/powerpoint/2012/main">
+        <p15:guide id="1" orient="horz" pos="2160" userDrawn="1">
+          <p15:clr>
+            <a:srgbClr val="A4A3A4"/>
+          </p15:clr>
+        </p15:guide>
+        <p15:guide id="2" pos="3840" userDrawn="1">
+          <p15:clr>
+            <a:srgbClr val="A4A3A4"/>
+          </p15:clr>
+        </p15:guide>
+      </p15:sldGuideLst>
+    </p:ext>
+  </p:extLst>
 </p:presentation>
 </file>
 
@@ -137,8 +153,8 @@
         </p:nvSpPr>
         <p:spPr>
           <a:xfrm>
-            <a:off x="685800" y="2130425"/>
-            <a:ext cx="7772400" cy="1470025"/>
+            <a:off x="914400" y="2130426"/>
+            <a:ext cx="10363200" cy="1470025"/>
           </a:xfrm>
         </p:spPr>
         <p:txBody>
@@ -165,8 +181,8 @@
         </p:nvSpPr>
         <p:spPr>
           <a:xfrm>
-            <a:off x="1371600" y="3886200"/>
-            <a:ext cx="6400800" cy="1752600"/>
+            <a:off x="1828800" y="3886200"/>
+            <a:ext cx="8534400" cy="1752600"/>
           </a:xfrm>
         </p:spPr>
         <p:txBody>
@@ -290,7 +306,7 @@
             <a:fld id="{5BBEAD13-0566-4C6C-97E7-55F17F24B09F}" type="datetimeFigureOut">
               <a:rPr lang="zh-TW" altLang="en-US" smtClean="0"/>
               <a:pPr/>
-              <a:t>2019/1/12</a:t>
+              <a:t>2020/1/18</a:t>
             </a:fld>
             <a:endParaRPr lang="zh-TW" altLang="en-US"/>
           </a:p>
@@ -457,7 +473,7 @@
             <a:fld id="{5BBEAD13-0566-4C6C-97E7-55F17F24B09F}" type="datetimeFigureOut">
               <a:rPr lang="zh-TW" altLang="en-US" smtClean="0"/>
               <a:pPr/>
-              <a:t>2019/1/12</a:t>
+              <a:t>2020/1/18</a:t>
             </a:fld>
             <a:endParaRPr lang="zh-TW" altLang="en-US"/>
           </a:p>
@@ -543,8 +559,8 @@
         </p:nvSpPr>
         <p:spPr>
           <a:xfrm>
-            <a:off x="6629400" y="274638"/>
-            <a:ext cx="2057400" cy="5851525"/>
+            <a:off x="8839200" y="274639"/>
+            <a:ext cx="2743200" cy="5851525"/>
           </a:xfrm>
         </p:spPr>
         <p:txBody>
@@ -571,8 +587,8 @@
         </p:nvSpPr>
         <p:spPr>
           <a:xfrm>
-            <a:off x="457200" y="274638"/>
-            <a:ext cx="6019800" cy="5851525"/>
+            <a:off x="609600" y="274639"/>
+            <a:ext cx="8026400" cy="5851525"/>
           </a:xfrm>
         </p:spPr>
         <p:txBody>
@@ -634,7 +650,7 @@
             <a:fld id="{5BBEAD13-0566-4C6C-97E7-55F17F24B09F}" type="datetimeFigureOut">
               <a:rPr lang="zh-TW" altLang="en-US" smtClean="0"/>
               <a:pPr/>
-              <a:t>2019/1/12</a:t>
+              <a:t>2020/1/18</a:t>
             </a:fld>
             <a:endParaRPr lang="zh-TW" altLang="en-US"/>
           </a:p>
@@ -801,7 +817,7 @@
             <a:fld id="{5BBEAD13-0566-4C6C-97E7-55F17F24B09F}" type="datetimeFigureOut">
               <a:rPr lang="zh-TW" altLang="en-US" smtClean="0"/>
               <a:pPr/>
-              <a:t>2019/1/12</a:t>
+              <a:t>2020/1/18</a:t>
             </a:fld>
             <a:endParaRPr lang="zh-TW" altLang="en-US"/>
           </a:p>
@@ -887,8 +903,8 @@
         </p:nvSpPr>
         <p:spPr>
           <a:xfrm>
-            <a:off x="722313" y="4406900"/>
-            <a:ext cx="7772400" cy="1362075"/>
+            <a:off x="963084" y="4406901"/>
+            <a:ext cx="10363200" cy="1362075"/>
           </a:xfrm>
         </p:spPr>
         <p:txBody>
@@ -919,8 +935,8 @@
         </p:nvSpPr>
         <p:spPr>
           <a:xfrm>
-            <a:off x="722313" y="2906713"/>
-            <a:ext cx="7772400" cy="1500187"/>
+            <a:off x="963084" y="2906713"/>
+            <a:ext cx="10363200" cy="1500187"/>
           </a:xfrm>
         </p:spPr>
         <p:txBody>
@@ -1044,7 +1060,7 @@
             <a:fld id="{5BBEAD13-0566-4C6C-97E7-55F17F24B09F}" type="datetimeFigureOut">
               <a:rPr lang="zh-TW" altLang="en-US" smtClean="0"/>
               <a:pPr/>
-              <a:t>2019/1/12</a:t>
+              <a:t>2020/1/18</a:t>
             </a:fld>
             <a:endParaRPr lang="zh-TW" altLang="en-US"/>
           </a:p>
@@ -1153,8 +1169,8 @@
         </p:nvSpPr>
         <p:spPr>
           <a:xfrm>
-            <a:off x="457200" y="1600200"/>
-            <a:ext cx="4038600" cy="4525963"/>
+            <a:off x="609600" y="1600201"/>
+            <a:ext cx="5384800" cy="4525963"/>
           </a:xfrm>
         </p:spPr>
         <p:txBody>
@@ -1238,8 +1254,8 @@
         </p:nvSpPr>
         <p:spPr>
           <a:xfrm>
-            <a:off x="4648200" y="1600200"/>
-            <a:ext cx="4038600" cy="4525963"/>
+            <a:off x="6197600" y="1600201"/>
+            <a:ext cx="5384800" cy="4525963"/>
           </a:xfrm>
         </p:spPr>
         <p:txBody>
@@ -1329,7 +1345,7 @@
             <a:fld id="{5BBEAD13-0566-4C6C-97E7-55F17F24B09F}" type="datetimeFigureOut">
               <a:rPr lang="zh-TW" altLang="en-US" smtClean="0"/>
               <a:pPr/>
-              <a:t>2019/1/12</a:t>
+              <a:t>2020/1/18</a:t>
             </a:fld>
             <a:endParaRPr lang="zh-TW" altLang="en-US"/>
           </a:p>
@@ -1442,8 +1458,8 @@
         </p:nvSpPr>
         <p:spPr>
           <a:xfrm>
-            <a:off x="457200" y="1535113"/>
-            <a:ext cx="4040188" cy="639762"/>
+            <a:off x="609600" y="1535113"/>
+            <a:ext cx="5386917" cy="639762"/>
           </a:xfrm>
         </p:spPr>
         <p:txBody>
@@ -1507,8 +1523,8 @@
         </p:nvSpPr>
         <p:spPr>
           <a:xfrm>
-            <a:off x="457200" y="2174875"/>
-            <a:ext cx="4040188" cy="3951288"/>
+            <a:off x="609600" y="2174875"/>
+            <a:ext cx="5386917" cy="3951288"/>
           </a:xfrm>
         </p:spPr>
         <p:txBody>
@@ -1592,8 +1608,8 @@
         </p:nvSpPr>
         <p:spPr>
           <a:xfrm>
-            <a:off x="4645025" y="1535113"/>
-            <a:ext cx="4041775" cy="639762"/>
+            <a:off x="6193368" y="1535113"/>
+            <a:ext cx="5389033" cy="639762"/>
           </a:xfrm>
         </p:spPr>
         <p:txBody>
@@ -1657,8 +1673,8 @@
         </p:nvSpPr>
         <p:spPr>
           <a:xfrm>
-            <a:off x="4645025" y="2174875"/>
-            <a:ext cx="4041775" cy="3951288"/>
+            <a:off x="6193368" y="2174875"/>
+            <a:ext cx="5389033" cy="3951288"/>
           </a:xfrm>
         </p:spPr>
         <p:txBody>
@@ -1748,7 +1764,7 @@
             <a:fld id="{5BBEAD13-0566-4C6C-97E7-55F17F24B09F}" type="datetimeFigureOut">
               <a:rPr lang="zh-TW" altLang="en-US" smtClean="0"/>
               <a:pPr/>
-              <a:t>2019/1/12</a:t>
+              <a:t>2020/1/18</a:t>
             </a:fld>
             <a:endParaRPr lang="zh-TW" altLang="en-US"/>
           </a:p>
@@ -1863,7 +1879,7 @@
             <a:fld id="{5BBEAD13-0566-4C6C-97E7-55F17F24B09F}" type="datetimeFigureOut">
               <a:rPr lang="zh-TW" altLang="en-US" smtClean="0"/>
               <a:pPr/>
-              <a:t>2019/1/12</a:t>
+              <a:t>2020/1/18</a:t>
             </a:fld>
             <a:endParaRPr lang="zh-TW" altLang="en-US"/>
           </a:p>
@@ -1955,7 +1971,7 @@
             <a:fld id="{5BBEAD13-0566-4C6C-97E7-55F17F24B09F}" type="datetimeFigureOut">
               <a:rPr lang="zh-TW" altLang="en-US" smtClean="0"/>
               <a:pPr/>
-              <a:t>2019/1/12</a:t>
+              <a:t>2020/1/18</a:t>
             </a:fld>
             <a:endParaRPr lang="zh-TW" altLang="en-US"/>
           </a:p>
@@ -2041,8 +2057,8 @@
         </p:nvSpPr>
         <p:spPr>
           <a:xfrm>
-            <a:off x="457200" y="273050"/>
-            <a:ext cx="3008313" cy="1162050"/>
+            <a:off x="609601" y="273050"/>
+            <a:ext cx="4011084" cy="1162050"/>
           </a:xfrm>
         </p:spPr>
         <p:txBody>
@@ -2073,8 +2089,8 @@
         </p:nvSpPr>
         <p:spPr>
           <a:xfrm>
-            <a:off x="3575050" y="273050"/>
-            <a:ext cx="5111750" cy="5853113"/>
+            <a:off x="4766733" y="273051"/>
+            <a:ext cx="6815667" cy="5853113"/>
           </a:xfrm>
         </p:spPr>
         <p:txBody>
@@ -2158,8 +2174,8 @@
         </p:nvSpPr>
         <p:spPr>
           <a:xfrm>
-            <a:off x="457200" y="1435100"/>
-            <a:ext cx="3008313" cy="4691063"/>
+            <a:off x="609601" y="1435101"/>
+            <a:ext cx="4011084" cy="4691063"/>
           </a:xfrm>
         </p:spPr>
         <p:txBody>
@@ -2229,7 +2245,7 @@
             <a:fld id="{5BBEAD13-0566-4C6C-97E7-55F17F24B09F}" type="datetimeFigureOut">
               <a:rPr lang="zh-TW" altLang="en-US" smtClean="0"/>
               <a:pPr/>
-              <a:t>2019/1/12</a:t>
+              <a:t>2020/1/18</a:t>
             </a:fld>
             <a:endParaRPr lang="zh-TW" altLang="en-US"/>
           </a:p>
@@ -2315,8 +2331,8 @@
         </p:nvSpPr>
         <p:spPr>
           <a:xfrm>
-            <a:off x="1792288" y="4800600"/>
-            <a:ext cx="5486400" cy="566738"/>
+            <a:off x="2389717" y="4800600"/>
+            <a:ext cx="7315200" cy="566738"/>
           </a:xfrm>
         </p:spPr>
         <p:txBody>
@@ -2347,8 +2363,8 @@
         </p:nvSpPr>
         <p:spPr>
           <a:xfrm>
-            <a:off x="1792288" y="612775"/>
-            <a:ext cx="5486400" cy="4114800"/>
+            <a:off x="2389717" y="612775"/>
+            <a:ext cx="7315200" cy="4114800"/>
           </a:xfrm>
         </p:spPr>
         <p:txBody>
@@ -2412,8 +2428,8 @@
         </p:nvSpPr>
         <p:spPr>
           <a:xfrm>
-            <a:off x="1792288" y="5367338"/>
-            <a:ext cx="5486400" cy="804862"/>
+            <a:off x="2389717" y="5367338"/>
+            <a:ext cx="7315200" cy="804862"/>
           </a:xfrm>
         </p:spPr>
         <p:txBody>
@@ -2483,7 +2499,7 @@
             <a:fld id="{5BBEAD13-0566-4C6C-97E7-55F17F24B09F}" type="datetimeFigureOut">
               <a:rPr lang="zh-TW" altLang="en-US" smtClean="0"/>
               <a:pPr/>
-              <a:t>2019/1/12</a:t>
+              <a:t>2020/1/18</a:t>
             </a:fld>
             <a:endParaRPr lang="zh-TW" altLang="en-US"/>
           </a:p>
@@ -2579,8 +2595,8 @@
         </p:nvSpPr>
         <p:spPr>
           <a:xfrm>
-            <a:off x="457200" y="274638"/>
-            <a:ext cx="8229600" cy="1143000"/>
+            <a:off x="609600" y="274638"/>
+            <a:ext cx="10972800" cy="1143000"/>
           </a:xfrm>
           <a:prstGeom prst="rect">
             <a:avLst/>
@@ -2612,8 +2628,8 @@
         </p:nvSpPr>
         <p:spPr>
           <a:xfrm>
-            <a:off x="457200" y="1600200"/>
-            <a:ext cx="8229600" cy="4525963"/>
+            <a:off x="609600" y="1600201"/>
+            <a:ext cx="10972800" cy="4525963"/>
           </a:xfrm>
           <a:prstGeom prst="rect">
             <a:avLst/>
@@ -2674,8 +2690,8 @@
         </p:nvSpPr>
         <p:spPr>
           <a:xfrm>
-            <a:off x="457200" y="6356350"/>
-            <a:ext cx="2133600" cy="365125"/>
+            <a:off x="609600" y="6356351"/>
+            <a:ext cx="2844800" cy="365125"/>
           </a:xfrm>
           <a:prstGeom prst="rect">
             <a:avLst/>
@@ -2698,7 +2714,7 @@
             <a:fld id="{5BBEAD13-0566-4C6C-97E7-55F17F24B09F}" type="datetimeFigureOut">
               <a:rPr lang="zh-TW" altLang="en-US" smtClean="0"/>
               <a:pPr/>
-              <a:t>2019/1/12</a:t>
+              <a:t>2020/1/18</a:t>
             </a:fld>
             <a:endParaRPr lang="zh-TW" altLang="en-US"/>
           </a:p>
@@ -2716,8 +2732,8 @@
         </p:nvSpPr>
         <p:spPr>
           <a:xfrm>
-            <a:off x="3124200" y="6356350"/>
-            <a:ext cx="2895600" cy="365125"/>
+            <a:off x="4165600" y="6356351"/>
+            <a:ext cx="3860800" cy="365125"/>
           </a:xfrm>
           <a:prstGeom prst="rect">
             <a:avLst/>
@@ -2753,8 +2769,8 @@
         </p:nvSpPr>
         <p:spPr>
           <a:xfrm>
-            <a:off x="6553200" y="6356350"/>
-            <a:ext cx="2133600" cy="365125"/>
+            <a:off x="8737600" y="6356351"/>
+            <a:ext cx="2844800" cy="365125"/>
           </a:xfrm>
           <a:prstGeom prst="rect">
             <a:avLst/>
@@ -3092,8 +3108,25 @@
                 <a:latin typeface="微軟正黑體" pitchFamily="34" charset="-120"/>
                 <a:ea typeface="微軟正黑體" pitchFamily="34" charset="-120"/>
               </a:rPr>
-              <a:t>我的神我敬拜你</a:t>
-            </a:r>
+              <a:t>我的神我敬</a:t>
+            </a:r>
+            <a:r>
+              <a:rPr lang="zh-TW" altLang="en-US" b="1" dirty="0">
+                <a:solidFill>
+                  <a:srgbClr val="660033"/>
+                </a:solidFill>
+                <a:latin typeface="微軟正黑體" pitchFamily="34" charset="-120"/>
+                <a:ea typeface="微軟正黑體" pitchFamily="34" charset="-120"/>
+              </a:rPr>
+              <a:t>拜祢</a:t>
+            </a:r>
+            <a:endParaRPr lang="zh-TW" altLang="en-US" b="1" dirty="0">
+              <a:solidFill>
+                <a:srgbClr val="660033"/>
+              </a:solidFill>
+              <a:latin typeface="微軟正黑體" pitchFamily="34" charset="-120"/>
+              <a:ea typeface="微軟正黑體" pitchFamily="34" charset="-120"/>
+            </a:endParaRPr>
           </a:p>
         </p:txBody>
       </p:sp>
@@ -3128,6 +3161,26 @@
               <a:t>我的</a:t>
             </a:r>
             <a:r>
+              <a:rPr lang="zh-TW" altLang="en-US" sz="5400" b="1" dirty="0">
+                <a:solidFill>
+                  <a:srgbClr val="660033"/>
+                </a:solidFill>
+                <a:latin typeface="微軟正黑體" pitchFamily="34" charset="-120"/>
+                <a:ea typeface="微軟正黑體" pitchFamily="34" charset="-120"/>
+              </a:rPr>
+              <a:t>神  我</a:t>
+            </a:r>
+            <a:r>
+              <a:rPr lang="zh-TW" altLang="en-US" sz="5400" b="1" dirty="0">
+                <a:solidFill>
+                  <a:srgbClr val="660033"/>
+                </a:solidFill>
+                <a:latin typeface="微軟正黑體" pitchFamily="34" charset="-120"/>
+                <a:ea typeface="微軟正黑體" pitchFamily="34" charset="-120"/>
+              </a:rPr>
+              <a:t>要敬</a:t>
+            </a:r>
+            <a:r>
               <a:rPr lang="zh-TW" altLang="en-US" sz="5400" b="1" dirty="0" smtClean="0">
                 <a:solidFill>
                   <a:srgbClr val="660033"/>
@@ -3135,27 +3188,17 @@
                 <a:latin typeface="微軟正黑體" pitchFamily="34" charset="-120"/>
                 <a:ea typeface="微軟正黑體" pitchFamily="34" charset="-120"/>
               </a:rPr>
-              <a:t>神  我</a:t>
-            </a:r>
-            <a:r>
-              <a:rPr lang="zh-TW" altLang="en-US" sz="5400" b="1" dirty="0">
-                <a:solidFill>
-                  <a:srgbClr val="660033"/>
-                </a:solidFill>
-                <a:latin typeface="微軟正黑體" pitchFamily="34" charset="-120"/>
-                <a:ea typeface="微軟正黑體" pitchFamily="34" charset="-120"/>
-              </a:rPr>
-              <a:t>要敬拜</a:t>
-            </a:r>
-            <a:r>
-              <a:rPr lang="zh-TW" altLang="en-US" sz="5400" b="1" dirty="0" smtClean="0">
-                <a:solidFill>
-                  <a:srgbClr val="660033"/>
-                </a:solidFill>
-                <a:latin typeface="微軟正黑體" pitchFamily="34" charset="-120"/>
-                <a:ea typeface="微軟正黑體" pitchFamily="34" charset="-120"/>
-              </a:rPr>
-              <a:t>你</a:t>
+              <a:t>拜</a:t>
+            </a:r>
+            <a:r>
+              <a:rPr lang="zh-CN" altLang="en-US" sz="5400" b="1" dirty="0" smtClean="0">
+                <a:solidFill>
+                  <a:srgbClr val="660033"/>
+                </a:solidFill>
+                <a:latin typeface="微軟正黑體" pitchFamily="34" charset="-120"/>
+                <a:ea typeface="微軟正黑體" pitchFamily="34" charset="-120"/>
+              </a:rPr>
+              <a:t>袮</a:t>
             </a:r>
             <a:endParaRPr lang="en-US" altLang="zh-TW" sz="5400" b="1" dirty="0">
               <a:solidFill>
@@ -3170,6 +3213,26 @@
               <a:buNone/>
             </a:pPr>
             <a:r>
+              <a:rPr lang="zh-TW" altLang="en-US" sz="5400" b="1" dirty="0">
+                <a:solidFill>
+                  <a:srgbClr val="660033"/>
+                </a:solidFill>
+                <a:latin typeface="微軟正黑體" pitchFamily="34" charset="-120"/>
+                <a:ea typeface="微軟正黑體" pitchFamily="34" charset="-120"/>
+              </a:rPr>
+              <a:t>我</a:t>
+            </a:r>
+            <a:r>
+              <a:rPr lang="zh-TW" altLang="en-US" sz="5400" b="1" dirty="0">
+                <a:solidFill>
+                  <a:srgbClr val="660033"/>
+                </a:solidFill>
+                <a:latin typeface="微軟正黑體" pitchFamily="34" charset="-120"/>
+                <a:ea typeface="微軟正黑體" pitchFamily="34" charset="-120"/>
+              </a:rPr>
+              <a:t>的心深深地</a:t>
+            </a:r>
+            <a:r>
               <a:rPr lang="zh-TW" altLang="en-US" sz="5400" b="1" dirty="0" smtClean="0">
                 <a:solidFill>
                   <a:srgbClr val="660033"/>
@@ -3177,27 +3240,17 @@
                 <a:latin typeface="微軟正黑體" pitchFamily="34" charset="-120"/>
                 <a:ea typeface="微軟正黑體" pitchFamily="34" charset="-120"/>
               </a:rPr>
-              <a:t>我</a:t>
-            </a:r>
-            <a:r>
-              <a:rPr lang="zh-TW" altLang="en-US" sz="5400" b="1" dirty="0">
-                <a:solidFill>
-                  <a:srgbClr val="660033"/>
-                </a:solidFill>
-                <a:latin typeface="微軟正黑體" pitchFamily="34" charset="-120"/>
-                <a:ea typeface="微軟正黑體" pitchFamily="34" charset="-120"/>
-              </a:rPr>
-              <a:t>的心深深地愛</a:t>
-            </a:r>
-            <a:r>
-              <a:rPr lang="zh-TW" altLang="en-US" sz="5400" b="1" dirty="0" smtClean="0">
-                <a:solidFill>
-                  <a:srgbClr val="660033"/>
-                </a:solidFill>
-                <a:latin typeface="微軟正黑體" pitchFamily="34" charset="-120"/>
-                <a:ea typeface="微軟正黑體" pitchFamily="34" charset="-120"/>
-              </a:rPr>
-              <a:t>你</a:t>
+              <a:t>愛</a:t>
+            </a:r>
+            <a:r>
+              <a:rPr lang="zh-CN" altLang="en-US" sz="5400" b="1" dirty="0">
+                <a:solidFill>
+                  <a:srgbClr val="660033"/>
+                </a:solidFill>
+                <a:latin typeface="微軟正黑體" pitchFamily="34" charset="-120"/>
+                <a:ea typeface="微軟正黑體" pitchFamily="34" charset="-120"/>
+              </a:rPr>
+              <a:t>袮</a:t>
             </a:r>
             <a:endParaRPr lang="en-US" altLang="zh-TW" sz="5400" b="1" dirty="0">
               <a:solidFill>
@@ -3222,6 +3275,26 @@
               <a:t>在</a:t>
             </a:r>
             <a:r>
+              <a:rPr lang="zh-CN" altLang="en-US" sz="5400" b="1" dirty="0">
+                <a:solidFill>
+                  <a:srgbClr val="660033"/>
+                </a:solidFill>
+                <a:latin typeface="微軟正黑體" pitchFamily="34" charset="-120"/>
+                <a:ea typeface="微軟正黑體" pitchFamily="34" charset="-120"/>
+              </a:rPr>
+              <a:t>袮</a:t>
+            </a:r>
+            <a:r>
+              <a:rPr lang="zh-TW" altLang="en-US" sz="5400" b="1" dirty="0" smtClean="0">
+                <a:solidFill>
+                  <a:srgbClr val="660033"/>
+                </a:solidFill>
+                <a:latin typeface="微軟正黑體" pitchFamily="34" charset="-120"/>
+                <a:ea typeface="微軟正黑體" pitchFamily="34" charset="-120"/>
+              </a:rPr>
+              <a:t>的</a:t>
+            </a:r>
+            <a:r>
               <a:rPr lang="zh-TW" altLang="en-US" sz="5400" b="1" dirty="0">
                 <a:solidFill>
                   <a:srgbClr val="660033"/>
@@ -3229,10 +3302,10 @@
                 <a:latin typeface="微軟正黑體" pitchFamily="34" charset="-120"/>
                 <a:ea typeface="微軟正黑體" pitchFamily="34" charset="-120"/>
               </a:rPr>
-              <a:t>你的座</a:t>
-            </a:r>
-            <a:r>
-              <a:rPr lang="zh-TW" altLang="en-US" sz="5400" b="1" dirty="0" smtClean="0">
+              <a:t>座</a:t>
+            </a:r>
+            <a:r>
+              <a:rPr lang="zh-TW" altLang="en-US" sz="5400" b="1" dirty="0">
                 <a:solidFill>
                   <a:srgbClr val="660033"/>
                 </a:solidFill>
@@ -3241,7 +3314,7 @@
               </a:rPr>
               <a:t>前</a:t>
             </a:r>
-            <a:endParaRPr lang="en-US" altLang="zh-TW" sz="5400" b="1" dirty="0" smtClean="0">
+            <a:endParaRPr lang="en-US" altLang="zh-TW" sz="5400" b="1" dirty="0">
               <a:solidFill>
                 <a:srgbClr val="660033"/>
               </a:solidFill>
@@ -3254,6 +3327,26 @@
               <a:buNone/>
             </a:pPr>
             <a:r>
+              <a:rPr lang="zh-TW" altLang="en-US" sz="5400" b="1" dirty="0">
+                <a:solidFill>
+                  <a:srgbClr val="660033"/>
+                </a:solidFill>
+                <a:latin typeface="微軟正黑體" pitchFamily="34" charset="-120"/>
+                <a:ea typeface="微軟正黑體" pitchFamily="34" charset="-120"/>
+              </a:rPr>
+              <a:t>我</a:t>
+            </a:r>
+            <a:r>
+              <a:rPr lang="zh-TW" altLang="en-US" sz="5400" b="1" dirty="0">
+                <a:solidFill>
+                  <a:srgbClr val="660033"/>
+                </a:solidFill>
+                <a:latin typeface="微軟正黑體" pitchFamily="34" charset="-120"/>
+                <a:ea typeface="微軟正黑體" pitchFamily="34" charset="-120"/>
+              </a:rPr>
+              <a:t>思</a:t>
+            </a:r>
+            <a:r>
               <a:rPr lang="zh-TW" altLang="en-US" sz="5400" b="1" dirty="0" smtClean="0">
                 <a:solidFill>
                   <a:srgbClr val="660033"/>
@@ -3261,7 +3354,27 @@
                 <a:latin typeface="微軟正黑體" pitchFamily="34" charset="-120"/>
                 <a:ea typeface="微軟正黑體" pitchFamily="34" charset="-120"/>
               </a:rPr>
-              <a:t>我</a:t>
+              <a:t>想</a:t>
+            </a:r>
+            <a:r>
+              <a:rPr lang="zh-CN" altLang="en-US" sz="5400" b="1" dirty="0">
+                <a:solidFill>
+                  <a:srgbClr val="660033"/>
+                </a:solidFill>
+                <a:latin typeface="微軟正黑體" pitchFamily="34" charset="-120"/>
+                <a:ea typeface="微軟正黑體" pitchFamily="34" charset="-120"/>
+              </a:rPr>
+              <a:t>袮</a:t>
+            </a:r>
+            <a:r>
+              <a:rPr lang="zh-TW" altLang="en-US" sz="5400" b="1" dirty="0" smtClean="0">
+                <a:solidFill>
+                  <a:srgbClr val="660033"/>
+                </a:solidFill>
+                <a:latin typeface="微軟正黑體" pitchFamily="34" charset="-120"/>
+                <a:ea typeface="微軟正黑體" pitchFamily="34" charset="-120"/>
+              </a:rPr>
+              <a:t>恩</a:t>
             </a:r>
             <a:r>
               <a:rPr lang="zh-TW" altLang="en-US" sz="5400" b="1" dirty="0">
@@ -3271,19 +3384,9 @@
                 <a:latin typeface="微軟正黑體" pitchFamily="34" charset="-120"/>
                 <a:ea typeface="微軟正黑體" pitchFamily="34" charset="-120"/>
               </a:rPr>
-              <a:t>思想你</a:t>
-            </a:r>
-            <a:r>
-              <a:rPr lang="zh-TW" altLang="en-US" sz="5400" b="1" dirty="0" smtClean="0">
-                <a:solidFill>
-                  <a:srgbClr val="660033"/>
-                </a:solidFill>
-                <a:latin typeface="微軟正黑體" pitchFamily="34" charset="-120"/>
-                <a:ea typeface="微軟正黑體" pitchFamily="34" charset="-120"/>
-              </a:rPr>
-              <a:t>恩典</a:t>
-            </a:r>
-            <a:endParaRPr lang="en-US" altLang="zh-TW" sz="5400" b="1" dirty="0" smtClean="0">
+              <a:t>典</a:t>
+            </a:r>
+            <a:endParaRPr lang="en-US" altLang="zh-TW" sz="5400" b="1" dirty="0">
               <a:solidFill>
                 <a:srgbClr val="660033"/>
               </a:solidFill>
@@ -3296,6 +3399,26 @@
               <a:buNone/>
             </a:pPr>
             <a:r>
+              <a:rPr lang="zh-TW" altLang="en-US" sz="5400" b="1" dirty="0">
+                <a:solidFill>
+                  <a:srgbClr val="660033"/>
+                </a:solidFill>
+                <a:latin typeface="微軟正黑體" pitchFamily="34" charset="-120"/>
+                <a:ea typeface="微軟正黑體" pitchFamily="34" charset="-120"/>
+              </a:rPr>
+              <a:t>我</a:t>
+            </a:r>
+            <a:r>
+              <a:rPr lang="zh-TW" altLang="en-US" sz="5400" b="1" dirty="0">
+                <a:solidFill>
+                  <a:srgbClr val="660033"/>
+                </a:solidFill>
+                <a:latin typeface="微軟正黑體" pitchFamily="34" charset="-120"/>
+                <a:ea typeface="微軟正黑體" pitchFamily="34" charset="-120"/>
+              </a:rPr>
+              <a:t>的心讚美敬</a:t>
+            </a:r>
+            <a:r>
               <a:rPr lang="zh-TW" altLang="en-US" sz="5400" b="1" dirty="0" smtClean="0">
                 <a:solidFill>
                   <a:srgbClr val="660033"/>
@@ -3303,18 +3426,25 @@
                 <a:latin typeface="微軟正黑體" pitchFamily="34" charset="-120"/>
                 <a:ea typeface="微軟正黑體" pitchFamily="34" charset="-120"/>
               </a:rPr>
-              <a:t>我</a:t>
-            </a:r>
-            <a:r>
-              <a:rPr lang="zh-TW" altLang="en-US" sz="5400" b="1" dirty="0">
-                <a:solidFill>
-                  <a:srgbClr val="660033"/>
-                </a:solidFill>
-                <a:latin typeface="微軟正黑體" pitchFamily="34" charset="-120"/>
-                <a:ea typeface="微軟正黑體" pitchFamily="34" charset="-120"/>
-              </a:rPr>
-              <a:t>的心讚美敬拜你</a:t>
-            </a:r>
+              <a:t>拜</a:t>
+            </a:r>
+            <a:r>
+              <a:rPr lang="zh-CN" altLang="en-US" sz="5400" b="1" dirty="0">
+                <a:solidFill>
+                  <a:srgbClr val="660033"/>
+                </a:solidFill>
+                <a:latin typeface="微軟正黑體" pitchFamily="34" charset="-120"/>
+                <a:ea typeface="微軟正黑體" pitchFamily="34" charset="-120"/>
+              </a:rPr>
+              <a:t>袮</a:t>
+            </a:r>
+            <a:endParaRPr lang="zh-TW" altLang="en-US" sz="5400" b="1" dirty="0">
+              <a:solidFill>
+                <a:srgbClr val="660033"/>
+              </a:solidFill>
+              <a:latin typeface="微軟正黑體" pitchFamily="34" charset="-120"/>
+              <a:ea typeface="微軟正黑體" pitchFamily="34" charset="-120"/>
+            </a:endParaRPr>
           </a:p>
         </p:txBody>
       </p:sp>
@@ -3366,52 +3496,29 @@
                 <a:latin typeface="微軟正黑體" pitchFamily="34" charset="-120"/>
                 <a:ea typeface="微軟正黑體" pitchFamily="34" charset="-120"/>
               </a:rPr>
-              <a:t>我的神我敬拜你</a:t>
-            </a:r>
-          </a:p>
-        </p:txBody>
-      </p:sp>
-      <p:sp>
-        <p:nvSpPr>
-          <p:cNvPr id="5" name="內容版面配置區 4"/>
-          <p:cNvSpPr>
-            <a:spLocks noGrp="1"/>
-          </p:cNvSpPr>
-          <p:nvPr>
-            <p:ph idx="1"/>
-          </p:nvPr>
-        </p:nvSpPr>
-        <p:spPr/>
-        <p:txBody>
-          <a:bodyPr>
-            <a:noAutofit/>
-          </a:bodyPr>
-          <a:lstStyle/>
-          <a:p>
-            <a:pPr algn="ctr">
-              <a:buNone/>
-            </a:pPr>
-            <a:r>
-              <a:rPr lang="zh-TW" altLang="en-US" sz="5400" b="1" dirty="0">
-                <a:solidFill>
-                  <a:srgbClr val="660033"/>
-                </a:solidFill>
-                <a:latin typeface="微軟正黑體" pitchFamily="34" charset="-120"/>
-                <a:ea typeface="微軟正黑體" pitchFamily="34" charset="-120"/>
-              </a:rPr>
-              <a:t>你是我心靈的</a:t>
-            </a:r>
-            <a:r>
-              <a:rPr lang="zh-TW" altLang="en-US" sz="5400" b="1" dirty="0" smtClean="0">
-                <a:solidFill>
-                  <a:srgbClr val="660033"/>
-                </a:solidFill>
-                <a:latin typeface="微軟正黑體" pitchFamily="34" charset="-120"/>
-                <a:ea typeface="微軟正黑體" pitchFamily="34" charset="-120"/>
-              </a:rPr>
-              <a:t>滿足</a:t>
-            </a:r>
-            <a:endParaRPr lang="en-US" altLang="zh-TW" sz="5400" b="1" dirty="0" smtClean="0">
+              <a:t>我的神我敬</a:t>
+            </a:r>
+            <a:r>
+              <a:rPr lang="zh-TW" altLang="en-US" b="1" dirty="0" smtClean="0">
+                <a:solidFill>
+                  <a:srgbClr val="660033"/>
+                </a:solidFill>
+                <a:latin typeface="微軟正黑體" pitchFamily="34" charset="-120"/>
+                <a:ea typeface="微軟正黑體" pitchFamily="34" charset="-120"/>
+              </a:rPr>
+              <a:t>拜</a:t>
+            </a:r>
+            <a:r>
+              <a:rPr lang="zh-CN" altLang="en-US" b="1" dirty="0">
+                <a:solidFill>
+                  <a:srgbClr val="660033"/>
+                </a:solidFill>
+                <a:latin typeface="微軟正黑體" pitchFamily="34" charset="-120"/>
+                <a:ea typeface="微軟正黑體" pitchFamily="34" charset="-120"/>
+              </a:rPr>
+              <a:t>袮</a:t>
+            </a:r>
+            <a:endParaRPr lang="zh-TW" altLang="en-US" b="1" dirty="0">
               <a:solidFill>
                 <a:srgbClr val="660033"/>
               </a:solidFill>
@@ -3419,11 +3526,39 @@
               <a:ea typeface="微軟正黑體" pitchFamily="34" charset="-120"/>
             </a:endParaRPr>
           </a:p>
+        </p:txBody>
+      </p:sp>
+      <p:sp>
+        <p:nvSpPr>
+          <p:cNvPr id="5" name="內容版面配置區 4"/>
+          <p:cNvSpPr>
+            <a:spLocks noGrp="1"/>
+          </p:cNvSpPr>
+          <p:nvPr>
+            <p:ph idx="1"/>
+          </p:nvPr>
+        </p:nvSpPr>
+        <p:spPr/>
+        <p:txBody>
+          <a:bodyPr>
+            <a:noAutofit/>
+          </a:bodyPr>
+          <a:lstStyle/>
           <a:p>
             <a:pPr algn="ctr">
               <a:buNone/>
             </a:pPr>
             <a:r>
+              <a:rPr lang="zh-CN" altLang="en-US" sz="5400" b="1" dirty="0">
+                <a:solidFill>
+                  <a:srgbClr val="660033"/>
+                </a:solidFill>
+                <a:latin typeface="微軟正黑體" pitchFamily="34" charset="-120"/>
+                <a:ea typeface="微軟正黑體" pitchFamily="34" charset="-120"/>
+              </a:rPr>
+              <a:t>袮</a:t>
+            </a:r>
+            <a:r>
               <a:rPr lang="zh-TW" altLang="en-US" sz="5400" b="1" dirty="0" smtClean="0">
                 <a:solidFill>
                   <a:srgbClr val="660033"/>
@@ -3431,7 +3566,7 @@
                 <a:latin typeface="微軟正黑體" pitchFamily="34" charset="-120"/>
                 <a:ea typeface="微軟正黑體" pitchFamily="34" charset="-120"/>
               </a:rPr>
-              <a:t>你</a:t>
+              <a:t>是</a:t>
             </a:r>
             <a:r>
               <a:rPr lang="zh-TW" altLang="en-US" sz="5400" b="1" dirty="0">
@@ -3441,17 +3576,17 @@
                 <a:latin typeface="微軟正黑體" pitchFamily="34" charset="-120"/>
                 <a:ea typeface="微軟正黑體" pitchFamily="34" charset="-120"/>
               </a:rPr>
-              <a:t>是我唯一的</a:t>
-            </a:r>
-            <a:r>
-              <a:rPr lang="zh-TW" altLang="en-US" sz="5400" b="1" dirty="0" smtClean="0">
-                <a:solidFill>
-                  <a:srgbClr val="660033"/>
-                </a:solidFill>
-                <a:latin typeface="微軟正黑體" pitchFamily="34" charset="-120"/>
-                <a:ea typeface="微軟正黑體" pitchFamily="34" charset="-120"/>
-              </a:rPr>
-              <a:t>喜樂</a:t>
+              <a:t>我心靈的</a:t>
+            </a:r>
+            <a:r>
+              <a:rPr lang="zh-TW" altLang="en-US" sz="5400" b="1" dirty="0">
+                <a:solidFill>
+                  <a:srgbClr val="660033"/>
+                </a:solidFill>
+                <a:latin typeface="微軟正黑體" pitchFamily="34" charset="-120"/>
+                <a:ea typeface="微軟正黑體" pitchFamily="34" charset="-120"/>
+              </a:rPr>
+              <a:t>滿足</a:t>
             </a:r>
             <a:endParaRPr lang="en-US" altLang="zh-TW" sz="5400" b="1" dirty="0">
               <a:solidFill>
@@ -3466,6 +3601,16 @@
               <a:buNone/>
             </a:pPr>
             <a:r>
+              <a:rPr lang="zh-CN" altLang="en-US" sz="5400" b="1" dirty="0">
+                <a:solidFill>
+                  <a:srgbClr val="660033"/>
+                </a:solidFill>
+                <a:latin typeface="微軟正黑體" pitchFamily="34" charset="-120"/>
+                <a:ea typeface="微軟正黑體" pitchFamily="34" charset="-120"/>
+              </a:rPr>
+              <a:t>袮</a:t>
+            </a:r>
+            <a:r>
               <a:rPr lang="zh-TW" altLang="en-US" sz="5400" b="1" dirty="0" smtClean="0">
                 <a:solidFill>
                   <a:srgbClr val="660033"/>
@@ -3473,7 +3618,7 @@
                 <a:latin typeface="微軟正黑體" pitchFamily="34" charset="-120"/>
                 <a:ea typeface="微軟正黑體" pitchFamily="34" charset="-120"/>
               </a:rPr>
-              <a:t>在</a:t>
+              <a:t>是</a:t>
             </a:r>
             <a:r>
               <a:rPr lang="zh-TW" altLang="en-US" sz="5400" b="1" dirty="0">
@@ -3483,19 +3628,19 @@
                 <a:latin typeface="微軟正黑體" pitchFamily="34" charset="-120"/>
                 <a:ea typeface="微軟正黑體" pitchFamily="34" charset="-120"/>
               </a:rPr>
-              <a:t>你的座</a:t>
-            </a:r>
-            <a:r>
-              <a:rPr lang="zh-TW" altLang="en-US" sz="5400" b="1" dirty="0" smtClean="0">
-                <a:solidFill>
-                  <a:srgbClr val="660033"/>
-                </a:solidFill>
-                <a:latin typeface="微軟正黑體" pitchFamily="34" charset="-120"/>
-                <a:ea typeface="微軟正黑體" pitchFamily="34" charset="-120"/>
-              </a:rPr>
-              <a:t>前</a:t>
-            </a:r>
-            <a:endParaRPr lang="en-US" altLang="zh-TW" sz="5400" b="1" dirty="0" smtClean="0">
+              <a:t>我唯一的</a:t>
+            </a:r>
+            <a:r>
+              <a:rPr lang="zh-TW" altLang="en-US" sz="5400" b="1" dirty="0">
+                <a:solidFill>
+                  <a:srgbClr val="660033"/>
+                </a:solidFill>
+                <a:latin typeface="微軟正黑體" pitchFamily="34" charset="-120"/>
+                <a:ea typeface="微軟正黑體" pitchFamily="34" charset="-120"/>
+              </a:rPr>
+              <a:t>喜樂</a:t>
+            </a:r>
+            <a:endParaRPr lang="en-US" altLang="zh-TW" sz="5400" b="1" dirty="0">
               <a:solidFill>
                 <a:srgbClr val="660033"/>
               </a:solidFill>
@@ -3515,7 +3660,27 @@
                 <a:latin typeface="微軟正黑體" pitchFamily="34" charset="-120"/>
                 <a:ea typeface="微軟正黑體" pitchFamily="34" charset="-120"/>
               </a:rPr>
-              <a:t>我</a:t>
+              <a:t>在</a:t>
+            </a:r>
+            <a:r>
+              <a:rPr lang="zh-CN" altLang="en-US" sz="5400" b="1" dirty="0">
+                <a:solidFill>
+                  <a:srgbClr val="660033"/>
+                </a:solidFill>
+                <a:latin typeface="微軟正黑體" pitchFamily="34" charset="-120"/>
+                <a:ea typeface="微軟正黑體" pitchFamily="34" charset="-120"/>
+              </a:rPr>
+              <a:t>袮</a:t>
+            </a:r>
+            <a:r>
+              <a:rPr lang="zh-TW" altLang="en-US" sz="5400" b="1" dirty="0" smtClean="0">
+                <a:solidFill>
+                  <a:srgbClr val="660033"/>
+                </a:solidFill>
+                <a:latin typeface="微軟正黑體" pitchFamily="34" charset="-120"/>
+                <a:ea typeface="微軟正黑體" pitchFamily="34" charset="-120"/>
+              </a:rPr>
+              <a:t>的</a:t>
             </a:r>
             <a:r>
               <a:rPr lang="zh-TW" altLang="en-US" sz="5400" b="1" dirty="0">
@@ -3525,19 +3690,19 @@
                 <a:latin typeface="微軟正黑體" pitchFamily="34" charset="-120"/>
                 <a:ea typeface="微軟正黑體" pitchFamily="34" charset="-120"/>
               </a:rPr>
-              <a:t>思想你</a:t>
-            </a:r>
-            <a:r>
-              <a:rPr lang="zh-TW" altLang="en-US" sz="5400" b="1" dirty="0" smtClean="0">
-                <a:solidFill>
-                  <a:srgbClr val="660033"/>
-                </a:solidFill>
-                <a:latin typeface="微軟正黑體" pitchFamily="34" charset="-120"/>
-                <a:ea typeface="微軟正黑體" pitchFamily="34" charset="-120"/>
-              </a:rPr>
-              <a:t>恩典</a:t>
-            </a:r>
-            <a:endParaRPr lang="en-US" altLang="zh-TW" sz="5400" b="1" dirty="0" smtClean="0">
+              <a:t>座</a:t>
+            </a:r>
+            <a:r>
+              <a:rPr lang="zh-TW" altLang="en-US" sz="5400" b="1" dirty="0">
+                <a:solidFill>
+                  <a:srgbClr val="660033"/>
+                </a:solidFill>
+                <a:latin typeface="微軟正黑體" pitchFamily="34" charset="-120"/>
+                <a:ea typeface="微軟正黑體" pitchFamily="34" charset="-120"/>
+              </a:rPr>
+              <a:t>前</a:t>
+            </a:r>
+            <a:endParaRPr lang="en-US" altLang="zh-TW" sz="5400" b="1" dirty="0">
               <a:solidFill>
                 <a:srgbClr val="660033"/>
               </a:solidFill>
@@ -3550,6 +3715,26 @@
               <a:buNone/>
             </a:pPr>
             <a:r>
+              <a:rPr lang="zh-TW" altLang="en-US" sz="5400" b="1" dirty="0">
+                <a:solidFill>
+                  <a:srgbClr val="660033"/>
+                </a:solidFill>
+                <a:latin typeface="微軟正黑體" pitchFamily="34" charset="-120"/>
+                <a:ea typeface="微軟正黑體" pitchFamily="34" charset="-120"/>
+              </a:rPr>
+              <a:t>我</a:t>
+            </a:r>
+            <a:r>
+              <a:rPr lang="zh-TW" altLang="en-US" sz="5400" b="1" dirty="0">
+                <a:solidFill>
+                  <a:srgbClr val="660033"/>
+                </a:solidFill>
+                <a:latin typeface="微軟正黑體" pitchFamily="34" charset="-120"/>
+                <a:ea typeface="微軟正黑體" pitchFamily="34" charset="-120"/>
+              </a:rPr>
+              <a:t>思</a:t>
+            </a:r>
+            <a:r>
               <a:rPr lang="zh-TW" altLang="en-US" sz="5400" b="1" dirty="0" smtClean="0">
                 <a:solidFill>
                   <a:srgbClr val="660033"/>
@@ -3557,6 +3742,58 @@
                 <a:latin typeface="微軟正黑體" pitchFamily="34" charset="-120"/>
                 <a:ea typeface="微軟正黑體" pitchFamily="34" charset="-120"/>
               </a:rPr>
+              <a:t>想</a:t>
+            </a:r>
+            <a:r>
+              <a:rPr lang="zh-CN" altLang="en-US" sz="5400" b="1" dirty="0">
+                <a:solidFill>
+                  <a:srgbClr val="660033"/>
+                </a:solidFill>
+                <a:latin typeface="微軟正黑體" pitchFamily="34" charset="-120"/>
+                <a:ea typeface="微軟正黑體" pitchFamily="34" charset="-120"/>
+              </a:rPr>
+              <a:t>袮</a:t>
+            </a:r>
+            <a:r>
+              <a:rPr lang="zh-TW" altLang="en-US" sz="5400" b="1" dirty="0" smtClean="0">
+                <a:solidFill>
+                  <a:srgbClr val="660033"/>
+                </a:solidFill>
+                <a:latin typeface="微軟正黑體" pitchFamily="34" charset="-120"/>
+                <a:ea typeface="微軟正黑體" pitchFamily="34" charset="-120"/>
+              </a:rPr>
+              <a:t>恩</a:t>
+            </a:r>
+            <a:r>
+              <a:rPr lang="zh-TW" altLang="en-US" sz="5400" b="1" dirty="0">
+                <a:solidFill>
+                  <a:srgbClr val="660033"/>
+                </a:solidFill>
+                <a:latin typeface="微軟正黑體" pitchFamily="34" charset="-120"/>
+                <a:ea typeface="微軟正黑體" pitchFamily="34" charset="-120"/>
+              </a:rPr>
+              <a:t>典</a:t>
+            </a:r>
+            <a:endParaRPr lang="en-US" altLang="zh-TW" sz="5400" b="1" dirty="0">
+              <a:solidFill>
+                <a:srgbClr val="660033"/>
+              </a:solidFill>
+              <a:latin typeface="微軟正黑體" pitchFamily="34" charset="-120"/>
+              <a:ea typeface="微軟正黑體" pitchFamily="34" charset="-120"/>
+            </a:endParaRPr>
+          </a:p>
+          <a:p>
+            <a:pPr algn="ctr">
+              <a:buNone/>
+            </a:pPr>
+            <a:r>
+              <a:rPr lang="zh-TW" altLang="en-US" sz="5400" b="1" dirty="0">
+                <a:solidFill>
+                  <a:srgbClr val="660033"/>
+                </a:solidFill>
+                <a:latin typeface="微軟正黑體" pitchFamily="34" charset="-120"/>
+                <a:ea typeface="微軟正黑體" pitchFamily="34" charset="-120"/>
+              </a:rPr>
               <a:t>我</a:t>
             </a:r>
             <a:r>
@@ -3567,8 +3804,35 @@
                 <a:latin typeface="微軟正黑體" pitchFamily="34" charset="-120"/>
                 <a:ea typeface="微軟正黑體" pitchFamily="34" charset="-120"/>
               </a:rPr>
-              <a:t>的神我要敬拜你</a:t>
-            </a:r>
+              <a:t>的神我要敬</a:t>
+            </a:r>
+            <a:r>
+              <a:rPr lang="zh-TW" altLang="en-US" sz="5400" b="1" dirty="0" smtClean="0">
+                <a:solidFill>
+                  <a:srgbClr val="660033"/>
+                </a:solidFill>
+                <a:latin typeface="微軟正黑體" pitchFamily="34" charset="-120"/>
+                <a:ea typeface="微軟正黑體" pitchFamily="34" charset="-120"/>
+              </a:rPr>
+              <a:t>拜</a:t>
+            </a:r>
+            <a:r>
+              <a:rPr lang="zh-CN" altLang="en-US" sz="5400" b="1" dirty="0">
+                <a:solidFill>
+                  <a:srgbClr val="660033"/>
+                </a:solidFill>
+                <a:latin typeface="微軟正黑體" pitchFamily="34" charset="-120"/>
+                <a:ea typeface="微軟正黑體" pitchFamily="34" charset="-120"/>
+              </a:rPr>
+              <a:t>袮</a:t>
+            </a:r>
+            <a:endParaRPr lang="zh-TW" altLang="en-US" sz="5400" b="1" dirty="0">
+              <a:solidFill>
+                <a:srgbClr val="660033"/>
+              </a:solidFill>
+              <a:latin typeface="微軟正黑體" pitchFamily="34" charset="-120"/>
+              <a:ea typeface="微軟正黑體" pitchFamily="34" charset="-120"/>
+            </a:endParaRPr>
           </a:p>
         </p:txBody>
       </p:sp>

--- a/我的神我敬拜你.pptx
+++ b/我的神我敬拜你.pptx
@@ -5,8 +5,11 @@
     <p:sldMasterId id="2147483684" r:id="rId1"/>
   </p:sldMasterIdLst>
   <p:sldIdLst>
-    <p:sldId id="256" r:id="rId2"/>
-    <p:sldId id="257" r:id="rId3"/>
+    <p:sldId id="258" r:id="rId2"/>
+    <p:sldId id="259" r:id="rId3"/>
+    <p:sldId id="260" r:id="rId4"/>
+    <p:sldId id="261" r:id="rId5"/>
+    <p:sldId id="262" r:id="rId6"/>
   </p:sldIdLst>
   <p:sldSz cx="12192000" cy="6858000"/>
   <p:notesSz cx="6858000" cy="9144000"/>
@@ -306,7 +309,7 @@
             <a:fld id="{5BBEAD13-0566-4C6C-97E7-55F17F24B09F}" type="datetimeFigureOut">
               <a:rPr lang="zh-TW" altLang="en-US" smtClean="0"/>
               <a:pPr/>
-              <a:t>2020/1/18</a:t>
+              <a:t>2021/7/2</a:t>
             </a:fld>
             <a:endParaRPr lang="zh-TW" altLang="en-US"/>
           </a:p>
@@ -473,7 +476,7 @@
             <a:fld id="{5BBEAD13-0566-4C6C-97E7-55F17F24B09F}" type="datetimeFigureOut">
               <a:rPr lang="zh-TW" altLang="en-US" smtClean="0"/>
               <a:pPr/>
-              <a:t>2020/1/18</a:t>
+              <a:t>2021/7/2</a:t>
             </a:fld>
             <a:endParaRPr lang="zh-TW" altLang="en-US"/>
           </a:p>
@@ -650,7 +653,7 @@
             <a:fld id="{5BBEAD13-0566-4C6C-97E7-55F17F24B09F}" type="datetimeFigureOut">
               <a:rPr lang="zh-TW" altLang="en-US" smtClean="0"/>
               <a:pPr/>
-              <a:t>2020/1/18</a:t>
+              <a:t>2021/7/2</a:t>
             </a:fld>
             <a:endParaRPr lang="zh-TW" altLang="en-US"/>
           </a:p>
@@ -817,7 +820,7 @@
             <a:fld id="{5BBEAD13-0566-4C6C-97E7-55F17F24B09F}" type="datetimeFigureOut">
               <a:rPr lang="zh-TW" altLang="en-US" smtClean="0"/>
               <a:pPr/>
-              <a:t>2020/1/18</a:t>
+              <a:t>2021/7/2</a:t>
             </a:fld>
             <a:endParaRPr lang="zh-TW" altLang="en-US"/>
           </a:p>
@@ -1060,7 +1063,7 @@
             <a:fld id="{5BBEAD13-0566-4C6C-97E7-55F17F24B09F}" type="datetimeFigureOut">
               <a:rPr lang="zh-TW" altLang="en-US" smtClean="0"/>
               <a:pPr/>
-              <a:t>2020/1/18</a:t>
+              <a:t>2021/7/2</a:t>
             </a:fld>
             <a:endParaRPr lang="zh-TW" altLang="en-US"/>
           </a:p>
@@ -1345,7 +1348,7 @@
             <a:fld id="{5BBEAD13-0566-4C6C-97E7-55F17F24B09F}" type="datetimeFigureOut">
               <a:rPr lang="zh-TW" altLang="en-US" smtClean="0"/>
               <a:pPr/>
-              <a:t>2020/1/18</a:t>
+              <a:t>2021/7/2</a:t>
             </a:fld>
             <a:endParaRPr lang="zh-TW" altLang="en-US"/>
           </a:p>
@@ -1764,7 +1767,7 @@
             <a:fld id="{5BBEAD13-0566-4C6C-97E7-55F17F24B09F}" type="datetimeFigureOut">
               <a:rPr lang="zh-TW" altLang="en-US" smtClean="0"/>
               <a:pPr/>
-              <a:t>2020/1/18</a:t>
+              <a:t>2021/7/2</a:t>
             </a:fld>
             <a:endParaRPr lang="zh-TW" altLang="en-US"/>
           </a:p>
@@ -1879,7 +1882,7 @@
             <a:fld id="{5BBEAD13-0566-4C6C-97E7-55F17F24B09F}" type="datetimeFigureOut">
               <a:rPr lang="zh-TW" altLang="en-US" smtClean="0"/>
               <a:pPr/>
-              <a:t>2020/1/18</a:t>
+              <a:t>2021/7/2</a:t>
             </a:fld>
             <a:endParaRPr lang="zh-TW" altLang="en-US"/>
           </a:p>
@@ -1971,7 +1974,7 @@
             <a:fld id="{5BBEAD13-0566-4C6C-97E7-55F17F24B09F}" type="datetimeFigureOut">
               <a:rPr lang="zh-TW" altLang="en-US" smtClean="0"/>
               <a:pPr/>
-              <a:t>2020/1/18</a:t>
+              <a:t>2021/7/2</a:t>
             </a:fld>
             <a:endParaRPr lang="zh-TW" altLang="en-US"/>
           </a:p>
@@ -2245,7 +2248,7 @@
             <a:fld id="{5BBEAD13-0566-4C6C-97E7-55F17F24B09F}" type="datetimeFigureOut">
               <a:rPr lang="zh-TW" altLang="en-US" smtClean="0"/>
               <a:pPr/>
-              <a:t>2020/1/18</a:t>
+              <a:t>2021/7/2</a:t>
             </a:fld>
             <a:endParaRPr lang="zh-TW" altLang="en-US"/>
           </a:p>
@@ -2499,7 +2502,7 @@
             <a:fld id="{5BBEAD13-0566-4C6C-97E7-55F17F24B09F}" type="datetimeFigureOut">
               <a:rPr lang="zh-TW" altLang="en-US" smtClean="0"/>
               <a:pPr/>
-              <a:t>2020/1/18</a:t>
+              <a:t>2021/7/2</a:t>
             </a:fld>
             <a:endParaRPr lang="zh-TW" altLang="en-US"/>
           </a:p>
@@ -2714,7 +2717,7 @@
             <a:fld id="{5BBEAD13-0566-4C6C-97E7-55F17F24B09F}" type="datetimeFigureOut">
               <a:rPr lang="zh-TW" altLang="en-US" smtClean="0"/>
               <a:pPr/>
-              <a:t>2020/1/18</a:t>
+              <a:t>2021/7/2</a:t>
             </a:fld>
             <a:endParaRPr lang="zh-TW" altLang="en-US"/>
           </a:p>
@@ -3095,360 +3098,61 @@
             <p:ph type="title"/>
           </p:nvPr>
         </p:nvSpPr>
-        <p:spPr/>
-        <p:txBody>
-          <a:bodyPr/>
-          <a:lstStyle/>
-          <a:p>
-            <a:r>
-              <a:rPr lang="zh-TW" altLang="en-US" b="1" dirty="0">
-                <a:solidFill>
-                  <a:srgbClr val="660033"/>
-                </a:solidFill>
-                <a:latin typeface="微軟正黑體" pitchFamily="34" charset="-120"/>
-                <a:ea typeface="微軟正黑體" pitchFamily="34" charset="-120"/>
-              </a:rPr>
-              <a:t>我的神我敬</a:t>
-            </a:r>
-            <a:r>
-              <a:rPr lang="zh-TW" altLang="en-US" b="1" dirty="0">
-                <a:solidFill>
-                  <a:srgbClr val="660033"/>
-                </a:solidFill>
-                <a:latin typeface="微軟正黑體" pitchFamily="34" charset="-120"/>
-                <a:ea typeface="微軟正黑體" pitchFamily="34" charset="-120"/>
-              </a:rPr>
-              <a:t>拜祢</a:t>
-            </a:r>
-            <a:endParaRPr lang="zh-TW" altLang="en-US" b="1" dirty="0">
-              <a:solidFill>
-                <a:srgbClr val="660033"/>
-              </a:solidFill>
-              <a:latin typeface="微軟正黑體" pitchFamily="34" charset="-120"/>
-              <a:ea typeface="微軟正黑體" pitchFamily="34" charset="-120"/>
-            </a:endParaRPr>
-          </a:p>
-        </p:txBody>
-      </p:sp>
-      <p:sp>
-        <p:nvSpPr>
-          <p:cNvPr id="5" name="內容版面配置區 4"/>
-          <p:cNvSpPr>
-            <a:spLocks noGrp="1"/>
-          </p:cNvSpPr>
-          <p:nvPr>
-            <p:ph idx="1"/>
-          </p:nvPr>
-        </p:nvSpPr>
-        <p:spPr/>
+        <p:spPr>
+          <a:xfrm>
+            <a:off x="0" y="2660915"/>
+            <a:ext cx="12192000" cy="1143000"/>
+          </a:xfrm>
+        </p:spPr>
         <p:txBody>
           <a:bodyPr>
             <a:noAutofit/>
           </a:bodyPr>
           <a:lstStyle/>
           <a:p>
-            <a:pPr algn="ctr">
-              <a:buNone/>
-            </a:pPr>
-            <a:r>
-              <a:rPr lang="zh-TW" altLang="en-US" sz="5400" b="1" dirty="0">
-                <a:solidFill>
-                  <a:srgbClr val="660033"/>
-                </a:solidFill>
-                <a:latin typeface="微軟正黑體" pitchFamily="34" charset="-120"/>
-                <a:ea typeface="微軟正黑體" pitchFamily="34" charset="-120"/>
-              </a:rPr>
-              <a:t>我的</a:t>
-            </a:r>
-            <a:r>
-              <a:rPr lang="zh-TW" altLang="en-US" sz="5400" b="1" dirty="0">
-                <a:solidFill>
-                  <a:srgbClr val="660033"/>
-                </a:solidFill>
-                <a:latin typeface="微軟正黑體" pitchFamily="34" charset="-120"/>
-                <a:ea typeface="微軟正黑體" pitchFamily="34" charset="-120"/>
-              </a:rPr>
-              <a:t>神  我</a:t>
-            </a:r>
-            <a:r>
-              <a:rPr lang="zh-TW" altLang="en-US" sz="5400" b="1" dirty="0">
-                <a:solidFill>
-                  <a:srgbClr val="660033"/>
-                </a:solidFill>
-                <a:latin typeface="微軟正黑體" pitchFamily="34" charset="-120"/>
-                <a:ea typeface="微軟正黑體" pitchFamily="34" charset="-120"/>
-              </a:rPr>
-              <a:t>要敬</a:t>
-            </a:r>
-            <a:r>
-              <a:rPr lang="zh-TW" altLang="en-US" sz="5400" b="1" dirty="0" smtClean="0">
-                <a:solidFill>
-                  <a:srgbClr val="660033"/>
-                </a:solidFill>
-                <a:latin typeface="微軟正黑體" pitchFamily="34" charset="-120"/>
-                <a:ea typeface="微軟正黑體" pitchFamily="34" charset="-120"/>
-              </a:rPr>
-              <a:t>拜</a:t>
-            </a:r>
-            <a:r>
-              <a:rPr lang="zh-CN" altLang="en-US" sz="5400" b="1" dirty="0" smtClean="0">
-                <a:solidFill>
-                  <a:srgbClr val="660033"/>
-                </a:solidFill>
-                <a:latin typeface="微軟正黑體" pitchFamily="34" charset="-120"/>
-                <a:ea typeface="微軟正黑體" pitchFamily="34" charset="-120"/>
-              </a:rPr>
-              <a:t>袮</a:t>
-            </a:r>
-            <a:endParaRPr lang="en-US" altLang="zh-TW" sz="5400" b="1" dirty="0">
-              <a:solidFill>
-                <a:srgbClr val="660033"/>
-              </a:solidFill>
-              <a:latin typeface="微軟正黑體" pitchFamily="34" charset="-120"/>
-              <a:ea typeface="微軟正黑體" pitchFamily="34" charset="-120"/>
-            </a:endParaRPr>
-          </a:p>
-          <a:p>
-            <a:pPr algn="ctr">
-              <a:buNone/>
-            </a:pPr>
-            <a:r>
-              <a:rPr lang="zh-TW" altLang="en-US" sz="5400" b="1" dirty="0">
-                <a:solidFill>
-                  <a:srgbClr val="660033"/>
-                </a:solidFill>
+            <a:r>
+              <a:rPr lang="zh-TW" altLang="en-US" sz="7200" b="1" i="1" dirty="0">
+                <a:solidFill>
+                  <a:srgbClr val="000066"/>
+                </a:solidFill>
+                <a:effectLst>
+                  <a:outerShdw blurRad="38100" dist="38100" dir="2700000" algn="tl">
+                    <a:srgbClr val="000000">
+                      <a:alpha val="43137"/>
+                    </a:srgbClr>
+                  </a:outerShdw>
+                </a:effectLst>
                 <a:latin typeface="微軟正黑體" pitchFamily="34" charset="-120"/>
                 <a:ea typeface="微軟正黑體" pitchFamily="34" charset="-120"/>
               </a:rPr>
               <a:t>我</a:t>
             </a:r>
             <a:r>
-              <a:rPr lang="zh-TW" altLang="en-US" sz="5400" b="1" dirty="0">
-                <a:solidFill>
-                  <a:srgbClr val="660033"/>
-                </a:solidFill>
+              <a:rPr lang="zh-TW" altLang="en-US" sz="7200" b="1" i="1" dirty="0">
+                <a:solidFill>
+                  <a:srgbClr val="000066"/>
+                </a:solidFill>
+                <a:effectLst>
+                  <a:outerShdw blurRad="38100" dist="38100" dir="2700000" algn="tl">
+                    <a:srgbClr val="000000">
+                      <a:alpha val="43137"/>
+                    </a:srgbClr>
+                  </a:outerShdw>
+                </a:effectLst>
                 <a:latin typeface="微軟正黑體" pitchFamily="34" charset="-120"/>
                 <a:ea typeface="微軟正黑體" pitchFamily="34" charset="-120"/>
               </a:rPr>
-              <a:t>的心深深地</a:t>
-            </a:r>
-            <a:r>
-              <a:rPr lang="zh-TW" altLang="en-US" sz="5400" b="1" dirty="0" smtClean="0">
-                <a:solidFill>
-                  <a:srgbClr val="660033"/>
-                </a:solidFill>
-                <a:latin typeface="微軟正黑體" pitchFamily="34" charset="-120"/>
-                <a:ea typeface="微軟正黑體" pitchFamily="34" charset="-120"/>
-              </a:rPr>
-              <a:t>愛</a:t>
-            </a:r>
-            <a:r>
-              <a:rPr lang="zh-CN" altLang="en-US" sz="5400" b="1" dirty="0">
-                <a:solidFill>
-                  <a:srgbClr val="660033"/>
-                </a:solidFill>
-                <a:latin typeface="微軟正黑體" pitchFamily="34" charset="-120"/>
-                <a:ea typeface="微軟正黑體" pitchFamily="34" charset="-120"/>
-              </a:rPr>
-              <a:t>袮</a:t>
-            </a:r>
-            <a:endParaRPr lang="en-US" altLang="zh-TW" sz="5400" b="1" dirty="0">
-              <a:solidFill>
-                <a:srgbClr val="660033"/>
-              </a:solidFill>
-              <a:latin typeface="微軟正黑體" pitchFamily="34" charset="-120"/>
-              <a:ea typeface="微軟正黑體" pitchFamily="34" charset="-120"/>
-            </a:endParaRPr>
-          </a:p>
-          <a:p>
-            <a:pPr algn="ctr">
-              <a:buNone/>
-            </a:pPr>
-            <a:r>
-              <a:rPr lang="zh-TW" altLang="en-US" sz="5400" b="1" dirty="0" smtClean="0">
-                <a:solidFill>
-                  <a:srgbClr val="660033"/>
-                </a:solidFill>
-                <a:latin typeface="微軟正黑體" pitchFamily="34" charset="-120"/>
-                <a:ea typeface="微軟正黑體" pitchFamily="34" charset="-120"/>
-              </a:rPr>
-              <a:t>在</a:t>
-            </a:r>
-            <a:r>
-              <a:rPr lang="zh-CN" altLang="en-US" sz="5400" b="1" dirty="0">
-                <a:solidFill>
-                  <a:srgbClr val="660033"/>
-                </a:solidFill>
-                <a:latin typeface="微軟正黑體" pitchFamily="34" charset="-120"/>
-                <a:ea typeface="微軟正黑體" pitchFamily="34" charset="-120"/>
-              </a:rPr>
-              <a:t>袮</a:t>
-            </a:r>
-            <a:r>
-              <a:rPr lang="zh-TW" altLang="en-US" sz="5400" b="1" dirty="0" smtClean="0">
-                <a:solidFill>
-                  <a:srgbClr val="660033"/>
-                </a:solidFill>
-                <a:latin typeface="微軟正黑體" pitchFamily="34" charset="-120"/>
-                <a:ea typeface="微軟正黑體" pitchFamily="34" charset="-120"/>
-              </a:rPr>
-              <a:t>的</a:t>
-            </a:r>
-            <a:r>
-              <a:rPr lang="zh-TW" altLang="en-US" sz="5400" b="1" dirty="0">
-                <a:solidFill>
-                  <a:srgbClr val="660033"/>
-                </a:solidFill>
-                <a:latin typeface="微軟正黑體" pitchFamily="34" charset="-120"/>
-                <a:ea typeface="微軟正黑體" pitchFamily="34" charset="-120"/>
-              </a:rPr>
-              <a:t>座</a:t>
-            </a:r>
-            <a:r>
-              <a:rPr lang="zh-TW" altLang="en-US" sz="5400" b="1" dirty="0">
-                <a:solidFill>
-                  <a:srgbClr val="660033"/>
-                </a:solidFill>
-                <a:latin typeface="微軟正黑體" pitchFamily="34" charset="-120"/>
-                <a:ea typeface="微軟正黑體" pitchFamily="34" charset="-120"/>
-              </a:rPr>
-              <a:t>前</a:t>
-            </a:r>
-            <a:endParaRPr lang="en-US" altLang="zh-TW" sz="5400" b="1" dirty="0">
-              <a:solidFill>
-                <a:srgbClr val="660033"/>
-              </a:solidFill>
-              <a:latin typeface="微軟正黑體" pitchFamily="34" charset="-120"/>
-              <a:ea typeface="微軟正黑體" pitchFamily="34" charset="-120"/>
-            </a:endParaRPr>
-          </a:p>
-          <a:p>
-            <a:pPr algn="ctr">
-              <a:buNone/>
-            </a:pPr>
-            <a:r>
-              <a:rPr lang="zh-TW" altLang="en-US" sz="5400" b="1" dirty="0">
-                <a:solidFill>
-                  <a:srgbClr val="660033"/>
-                </a:solidFill>
-                <a:latin typeface="微軟正黑體" pitchFamily="34" charset="-120"/>
-                <a:ea typeface="微軟正黑體" pitchFamily="34" charset="-120"/>
-              </a:rPr>
-              <a:t>我</a:t>
-            </a:r>
-            <a:r>
-              <a:rPr lang="zh-TW" altLang="en-US" sz="5400" b="1" dirty="0">
-                <a:solidFill>
-                  <a:srgbClr val="660033"/>
-                </a:solidFill>
-                <a:latin typeface="微軟正黑體" pitchFamily="34" charset="-120"/>
-                <a:ea typeface="微軟正黑體" pitchFamily="34" charset="-120"/>
-              </a:rPr>
-              <a:t>思</a:t>
-            </a:r>
-            <a:r>
-              <a:rPr lang="zh-TW" altLang="en-US" sz="5400" b="1" dirty="0" smtClean="0">
-                <a:solidFill>
-                  <a:srgbClr val="660033"/>
-                </a:solidFill>
-                <a:latin typeface="微軟正黑體" pitchFamily="34" charset="-120"/>
-                <a:ea typeface="微軟正黑體" pitchFamily="34" charset="-120"/>
-              </a:rPr>
-              <a:t>想</a:t>
-            </a:r>
-            <a:r>
-              <a:rPr lang="zh-CN" altLang="en-US" sz="5400" b="1" dirty="0">
-                <a:solidFill>
-                  <a:srgbClr val="660033"/>
-                </a:solidFill>
-                <a:latin typeface="微軟正黑體" pitchFamily="34" charset="-120"/>
-                <a:ea typeface="微軟正黑體" pitchFamily="34" charset="-120"/>
-              </a:rPr>
-              <a:t>袮</a:t>
-            </a:r>
-            <a:r>
-              <a:rPr lang="zh-TW" altLang="en-US" sz="5400" b="1" dirty="0" smtClean="0">
-                <a:solidFill>
-                  <a:srgbClr val="660033"/>
-                </a:solidFill>
-                <a:latin typeface="微軟正黑體" pitchFamily="34" charset="-120"/>
-                <a:ea typeface="微軟正黑體" pitchFamily="34" charset="-120"/>
-              </a:rPr>
-              <a:t>恩</a:t>
-            </a:r>
-            <a:r>
-              <a:rPr lang="zh-TW" altLang="en-US" sz="5400" b="1" dirty="0">
-                <a:solidFill>
-                  <a:srgbClr val="660033"/>
-                </a:solidFill>
-                <a:latin typeface="微軟正黑體" pitchFamily="34" charset="-120"/>
-                <a:ea typeface="微軟正黑體" pitchFamily="34" charset="-120"/>
-              </a:rPr>
-              <a:t>典</a:t>
-            </a:r>
-            <a:endParaRPr lang="en-US" altLang="zh-TW" sz="5400" b="1" dirty="0">
-              <a:solidFill>
-                <a:srgbClr val="660033"/>
-              </a:solidFill>
-              <a:latin typeface="微軟正黑體" pitchFamily="34" charset="-120"/>
-              <a:ea typeface="微軟正黑體" pitchFamily="34" charset="-120"/>
-            </a:endParaRPr>
-          </a:p>
-          <a:p>
-            <a:pPr algn="ctr">
-              <a:buNone/>
-            </a:pPr>
-            <a:r>
-              <a:rPr lang="zh-TW" altLang="en-US" sz="5400" b="1" dirty="0">
-                <a:solidFill>
-                  <a:srgbClr val="660033"/>
-                </a:solidFill>
-                <a:latin typeface="微軟正黑體" pitchFamily="34" charset="-120"/>
-                <a:ea typeface="微軟正黑體" pitchFamily="34" charset="-120"/>
-              </a:rPr>
-              <a:t>我</a:t>
-            </a:r>
-            <a:r>
-              <a:rPr lang="zh-TW" altLang="en-US" sz="5400" b="1" dirty="0">
-                <a:solidFill>
-                  <a:srgbClr val="660033"/>
-                </a:solidFill>
-                <a:latin typeface="微軟正黑體" pitchFamily="34" charset="-120"/>
-                <a:ea typeface="微軟正黑體" pitchFamily="34" charset="-120"/>
-              </a:rPr>
-              <a:t>的心讚美敬</a:t>
-            </a:r>
-            <a:r>
-              <a:rPr lang="zh-TW" altLang="en-US" sz="5400" b="1" dirty="0" smtClean="0">
-                <a:solidFill>
-                  <a:srgbClr val="660033"/>
-                </a:solidFill>
-                <a:latin typeface="微軟正黑體" pitchFamily="34" charset="-120"/>
-                <a:ea typeface="微軟正黑體" pitchFamily="34" charset="-120"/>
-              </a:rPr>
-              <a:t>拜</a:t>
-            </a:r>
-            <a:r>
-              <a:rPr lang="zh-CN" altLang="en-US" sz="5400" b="1" dirty="0">
-                <a:solidFill>
-                  <a:srgbClr val="660033"/>
-                </a:solidFill>
-                <a:latin typeface="微軟正黑體" pitchFamily="34" charset="-120"/>
-                <a:ea typeface="微軟正黑體" pitchFamily="34" charset="-120"/>
-              </a:rPr>
-              <a:t>袮</a:t>
-            </a:r>
-            <a:endParaRPr lang="zh-TW" altLang="en-US" sz="5400" b="1" dirty="0">
-              <a:solidFill>
-                <a:srgbClr val="660033"/>
-              </a:solidFill>
-              <a:latin typeface="微軟正黑體" pitchFamily="34" charset="-120"/>
-              <a:ea typeface="微軟正黑體" pitchFamily="34" charset="-120"/>
-            </a:endParaRPr>
+              <a:t>的神我敬拜祢</a:t>
+            </a:r>
           </a:p>
         </p:txBody>
       </p:sp>
     </p:spTree>
+    <p:extLst>
+      <p:ext uri="{BB962C8B-B14F-4D97-AF65-F5344CB8AC3E}">
+        <p14:creationId xmlns:p14="http://schemas.microsoft.com/office/powerpoint/2010/main" val="3118319910"/>
+      </p:ext>
+    </p:extLst>
   </p:cSld>
   <p:clrMapOvr>
     <a:masterClrMapping/>
@@ -3475,135 +3179,160 @@
       </p:grpSpPr>
       <p:sp>
         <p:nvSpPr>
-          <p:cNvPr id="4" name="標題 3"/>
-          <p:cNvSpPr>
-            <a:spLocks noGrp="1"/>
-          </p:cNvSpPr>
-          <p:nvPr>
-            <p:ph type="title"/>
-          </p:nvPr>
-        </p:nvSpPr>
-        <p:spPr/>
-        <p:txBody>
-          <a:bodyPr/>
-          <a:lstStyle/>
-          <a:p>
-            <a:r>
-              <a:rPr lang="zh-TW" altLang="en-US" b="1" dirty="0">
-                <a:solidFill>
-                  <a:srgbClr val="660033"/>
+          <p:cNvPr id="5" name="內容版面配置區 4"/>
+          <p:cNvSpPr>
+            <a:spLocks noGrp="1"/>
+          </p:cNvSpPr>
+          <p:nvPr>
+            <p:ph idx="1"/>
+          </p:nvPr>
+        </p:nvSpPr>
+        <p:spPr>
+          <a:xfrm>
+            <a:off x="0" y="2084851"/>
+            <a:ext cx="12192000" cy="2404863"/>
+          </a:xfrm>
+        </p:spPr>
+        <p:txBody>
+          <a:bodyPr anchor="ctr">
+            <a:normAutofit/>
+          </a:bodyPr>
+          <a:lstStyle/>
+          <a:p>
+            <a:pPr algn="ctr">
+              <a:buNone/>
+            </a:pPr>
+            <a:r>
+              <a:rPr lang="zh-TW" altLang="en-US" sz="6400" b="1" dirty="0">
+                <a:solidFill>
+                  <a:srgbClr val="000066"/>
                 </a:solidFill>
                 <a:latin typeface="微軟正黑體" pitchFamily="34" charset="-120"/>
                 <a:ea typeface="微軟正黑體" pitchFamily="34" charset="-120"/>
               </a:rPr>
-              <a:t>我的神我敬</a:t>
-            </a:r>
-            <a:r>
-              <a:rPr lang="zh-TW" altLang="en-US" b="1" dirty="0" smtClean="0">
-                <a:solidFill>
-                  <a:srgbClr val="660033"/>
-                </a:solidFill>
-                <a:latin typeface="微軟正黑體" pitchFamily="34" charset="-120"/>
-                <a:ea typeface="微軟正黑體" pitchFamily="34" charset="-120"/>
-              </a:rPr>
-              <a:t>拜</a:t>
-            </a:r>
-            <a:r>
-              <a:rPr lang="zh-CN" altLang="en-US" b="1" dirty="0">
-                <a:solidFill>
-                  <a:srgbClr val="660033"/>
+              <a:t>我的神  我要敬拜</a:t>
+            </a:r>
+            <a:r>
+              <a:rPr lang="zh-CN" altLang="en-US" sz="6400" b="1" dirty="0">
+                <a:solidFill>
+                  <a:srgbClr val="000066"/>
                 </a:solidFill>
                 <a:latin typeface="微軟正黑體" pitchFamily="34" charset="-120"/>
                 <a:ea typeface="微軟正黑體" pitchFamily="34" charset="-120"/>
               </a:rPr>
               <a:t>袮</a:t>
             </a:r>
-            <a:endParaRPr lang="zh-TW" altLang="en-US" b="1" dirty="0">
+            <a:endParaRPr lang="en-US" altLang="zh-TW" sz="6400" b="1" dirty="0">
               <a:solidFill>
-                <a:srgbClr val="660033"/>
+                <a:srgbClr val="000066"/>
               </a:solidFill>
               <a:latin typeface="微軟正黑體" pitchFamily="34" charset="-120"/>
               <a:ea typeface="微軟正黑體" pitchFamily="34" charset="-120"/>
             </a:endParaRPr>
           </a:p>
-        </p:txBody>
-      </p:sp>
-      <p:sp>
-        <p:nvSpPr>
-          <p:cNvPr id="5" name="內容版面配置區 4"/>
-          <p:cNvSpPr>
-            <a:spLocks noGrp="1"/>
-          </p:cNvSpPr>
-          <p:nvPr>
-            <p:ph idx="1"/>
-          </p:nvPr>
-        </p:nvSpPr>
-        <p:spPr/>
-        <p:txBody>
-          <a:bodyPr>
-            <a:noAutofit/>
-          </a:bodyPr>
-          <a:lstStyle/>
           <a:p>
             <a:pPr algn="ctr">
               <a:buNone/>
             </a:pPr>
             <a:r>
-              <a:rPr lang="zh-CN" altLang="en-US" sz="5400" b="1" dirty="0">
-                <a:solidFill>
-                  <a:srgbClr val="660033"/>
+              <a:rPr lang="zh-TW" altLang="en-US" sz="6400" b="1" dirty="0">
+                <a:solidFill>
+                  <a:srgbClr val="000066"/>
+                </a:solidFill>
+                <a:latin typeface="微軟正黑體" pitchFamily="34" charset="-120"/>
+                <a:ea typeface="微軟正黑體" pitchFamily="34" charset="-120"/>
+              </a:rPr>
+              <a:t>我的心深深地愛</a:t>
+            </a:r>
+            <a:r>
+              <a:rPr lang="zh-CN" altLang="en-US" sz="6400" b="1" dirty="0">
+                <a:solidFill>
+                  <a:srgbClr val="000066"/>
                 </a:solidFill>
                 <a:latin typeface="微軟正黑體" pitchFamily="34" charset="-120"/>
                 <a:ea typeface="微軟正黑體" pitchFamily="34" charset="-120"/>
               </a:rPr>
               <a:t>袮</a:t>
             </a:r>
-            <a:r>
-              <a:rPr lang="zh-TW" altLang="en-US" sz="5400" b="1" dirty="0" smtClean="0">
-                <a:solidFill>
-                  <a:srgbClr val="660033"/>
-                </a:solidFill>
-                <a:latin typeface="微軟正黑體" pitchFamily="34" charset="-120"/>
-                <a:ea typeface="微軟正黑體" pitchFamily="34" charset="-120"/>
-              </a:rPr>
-              <a:t>是</a:t>
-            </a:r>
-            <a:r>
-              <a:rPr lang="zh-TW" altLang="en-US" sz="5400" b="1" dirty="0">
-                <a:solidFill>
-                  <a:srgbClr val="660033"/>
-                </a:solidFill>
-                <a:latin typeface="微軟正黑體" pitchFamily="34" charset="-120"/>
-                <a:ea typeface="微軟正黑體" pitchFamily="34" charset="-120"/>
-              </a:rPr>
-              <a:t>我心靈的</a:t>
-            </a:r>
-            <a:r>
-              <a:rPr lang="zh-TW" altLang="en-US" sz="5400" b="1" dirty="0">
-                <a:solidFill>
-                  <a:srgbClr val="660033"/>
-                </a:solidFill>
-                <a:latin typeface="微軟正黑體" pitchFamily="34" charset="-120"/>
-                <a:ea typeface="微軟正黑體" pitchFamily="34" charset="-120"/>
-              </a:rPr>
-              <a:t>滿足</a:t>
-            </a:r>
-            <a:endParaRPr lang="en-US" altLang="zh-TW" sz="5400" b="1" dirty="0">
+            <a:endParaRPr lang="en-US" altLang="zh-TW" sz="6400" b="1" dirty="0">
               <a:solidFill>
-                <a:srgbClr val="660033"/>
+                <a:srgbClr val="000066"/>
               </a:solidFill>
               <a:latin typeface="微軟正黑體" pitchFamily="34" charset="-120"/>
               <a:ea typeface="微軟正黑體" pitchFamily="34" charset="-120"/>
             </a:endParaRPr>
           </a:p>
+        </p:txBody>
+      </p:sp>
+    </p:spTree>
+    <p:extLst>
+      <p:ext uri="{BB962C8B-B14F-4D97-AF65-F5344CB8AC3E}">
+        <p14:creationId xmlns:p14="http://schemas.microsoft.com/office/powerpoint/2010/main" val="860648167"/>
+      </p:ext>
+    </p:extLst>
+  </p:cSld>
+  <p:clrMapOvr>
+    <a:masterClrMapping/>
+  </p:clrMapOvr>
+</p:sld>
+</file>
+
+<file path=ppt/slides/slide3.xml><?xml version="1.0" encoding="utf-8"?>
+<p:sld xmlns:a="http://schemas.openxmlformats.org/drawingml/2006/main" xmlns:r="http://schemas.openxmlformats.org/officeDocument/2006/relationships" xmlns:p="http://schemas.openxmlformats.org/presentationml/2006/main">
+  <p:cSld>
+    <p:spTree>
+      <p:nvGrpSpPr>
+        <p:cNvPr id="1" name=""/>
+        <p:cNvGrpSpPr/>
+        <p:nvPr/>
+      </p:nvGrpSpPr>
+      <p:grpSpPr>
+        <a:xfrm>
+          <a:off x="0" y="0"/>
+          <a:ext cx="0" cy="0"/>
+          <a:chOff x="0" y="0"/>
+          <a:chExt cx="0" cy="0"/>
+        </a:xfrm>
+      </p:grpSpPr>
+      <p:sp>
+        <p:nvSpPr>
+          <p:cNvPr id="5" name="內容版面配置區 4"/>
+          <p:cNvSpPr>
+            <a:spLocks noGrp="1"/>
+          </p:cNvSpPr>
+          <p:nvPr>
+            <p:ph idx="1"/>
+          </p:nvPr>
+        </p:nvSpPr>
+        <p:spPr>
+          <a:xfrm>
+            <a:off x="0" y="2084851"/>
+            <a:ext cx="12192000" cy="2404863"/>
+          </a:xfrm>
+        </p:spPr>
+        <p:txBody>
+          <a:bodyPr anchor="ctr">
+            <a:normAutofit/>
+          </a:bodyPr>
+          <a:lstStyle/>
           <a:p>
             <a:pPr algn="ctr">
               <a:buNone/>
             </a:pPr>
             <a:r>
-              <a:rPr lang="zh-CN" altLang="en-US" sz="5400" b="1" dirty="0">
-                <a:solidFill>
-                  <a:srgbClr val="660033"/>
+              <a:rPr lang="zh-TW" altLang="en-US" sz="6400" b="1" dirty="0">
+                <a:solidFill>
+                  <a:srgbClr val="000066"/>
+                </a:solidFill>
+                <a:latin typeface="微軟正黑體" pitchFamily="34" charset="-120"/>
+                <a:ea typeface="微軟正黑體" pitchFamily="34" charset="-120"/>
+              </a:rPr>
+              <a:t>在</a:t>
+            </a:r>
+            <a:r>
+              <a:rPr lang="zh-CN" altLang="en-US" sz="6400" b="1" dirty="0">
+                <a:solidFill>
+                  <a:srgbClr val="000066"/>
                 </a:solidFill>
                 <a:latin typeface="微軟正黑體" pitchFamily="34" charset="-120"/>
                 <a:ea typeface="微軟正黑體" pitchFamily="34" charset="-120"/>
@@ -3611,38 +3340,58 @@
               <a:t>袮</a:t>
             </a:r>
             <a:r>
-              <a:rPr lang="zh-TW" altLang="en-US" sz="5400" b="1" dirty="0" smtClean="0">
-                <a:solidFill>
-                  <a:srgbClr val="660033"/>
+              <a:rPr lang="zh-TW" altLang="en-US" sz="6400" b="1" dirty="0">
+                <a:solidFill>
+                  <a:srgbClr val="000066"/>
                 </a:solidFill>
                 <a:latin typeface="微軟正黑體" pitchFamily="34" charset="-120"/>
                 <a:ea typeface="微軟正黑體" pitchFamily="34" charset="-120"/>
               </a:rPr>
-              <a:t>是</a:t>
-            </a:r>
-            <a:r>
-              <a:rPr lang="zh-TW" altLang="en-US" sz="5400" b="1" dirty="0">
-                <a:solidFill>
-                  <a:srgbClr val="660033"/>
+              <a:t>的座前</a:t>
+            </a:r>
+            <a:r>
+              <a:rPr lang="en-US" altLang="zh-TW" sz="6400" b="1" dirty="0">
+                <a:solidFill>
+                  <a:srgbClr val="000066"/>
                 </a:solidFill>
                 <a:latin typeface="微軟正黑體" pitchFamily="34" charset="-120"/>
                 <a:ea typeface="微軟正黑體" pitchFamily="34" charset="-120"/>
               </a:rPr>
-              <a:t>我唯一的</a:t>
-            </a:r>
-            <a:r>
-              <a:rPr lang="zh-TW" altLang="en-US" sz="5400" b="1" dirty="0">
-                <a:solidFill>
-                  <a:srgbClr val="660033"/>
+              <a:t>  </a:t>
+            </a:r>
+            <a:r>
+              <a:rPr lang="zh-TW" altLang="en-US" sz="6400" b="1" dirty="0">
+                <a:solidFill>
+                  <a:srgbClr val="000066"/>
                 </a:solidFill>
                 <a:latin typeface="微軟正黑體" pitchFamily="34" charset="-120"/>
                 <a:ea typeface="微軟正黑體" pitchFamily="34" charset="-120"/>
               </a:rPr>
-              <a:t>喜樂</a:t>
-            </a:r>
-            <a:endParaRPr lang="en-US" altLang="zh-TW" sz="5400" b="1" dirty="0">
+              <a:t>我思想</a:t>
+            </a:r>
+            <a:r>
+              <a:rPr lang="zh-CN" altLang="en-US" sz="6400" b="1" dirty="0">
+                <a:solidFill>
+                  <a:srgbClr val="000066"/>
+                </a:solidFill>
+                <a:latin typeface="微軟正黑體" pitchFamily="34" charset="-120"/>
+                <a:ea typeface="微軟正黑體" pitchFamily="34" charset="-120"/>
+              </a:rPr>
+              <a:t>袮</a:t>
+            </a:r>
+            <a:r>
+              <a:rPr lang="zh-TW" altLang="en-US" sz="6400" b="1" dirty="0">
+                <a:solidFill>
+                  <a:srgbClr val="000066"/>
+                </a:solidFill>
+                <a:latin typeface="微軟正黑體" pitchFamily="34" charset="-120"/>
+                <a:ea typeface="微軟正黑體" pitchFamily="34" charset="-120"/>
+              </a:rPr>
+              <a:t>恩典</a:t>
+            </a:r>
+            <a:endParaRPr lang="en-US" altLang="zh-TW" sz="6400" b="1" dirty="0">
               <a:solidFill>
-                <a:srgbClr val="660033"/>
+                <a:srgbClr val="000066"/>
               </a:solidFill>
               <a:latin typeface="微軟正黑體" pitchFamily="34" charset="-120"/>
               <a:ea typeface="微軟正黑體" pitchFamily="34" charset="-120"/>
@@ -3653,9 +3402,211 @@
               <a:buNone/>
             </a:pPr>
             <a:r>
-              <a:rPr lang="zh-TW" altLang="en-US" sz="5400" b="1" dirty="0" smtClean="0">
-                <a:solidFill>
-                  <a:srgbClr val="660033"/>
+              <a:rPr lang="zh-TW" altLang="en-US" sz="6400" b="1" dirty="0">
+                <a:solidFill>
+                  <a:srgbClr val="000066"/>
+                </a:solidFill>
+                <a:latin typeface="微軟正黑體" pitchFamily="34" charset="-120"/>
+                <a:ea typeface="微軟正黑體" pitchFamily="34" charset="-120"/>
+              </a:rPr>
+              <a:t>我的心讚美敬拜</a:t>
+            </a:r>
+            <a:r>
+              <a:rPr lang="zh-CN" altLang="en-US" sz="6400" b="1" dirty="0">
+                <a:solidFill>
+                  <a:srgbClr val="000066"/>
+                </a:solidFill>
+                <a:latin typeface="微軟正黑體" pitchFamily="34" charset="-120"/>
+                <a:ea typeface="微軟正黑體" pitchFamily="34" charset="-120"/>
+              </a:rPr>
+              <a:t>袮</a:t>
+            </a:r>
+            <a:endParaRPr lang="zh-TW" altLang="en-US" sz="6400" b="1" dirty="0">
+              <a:solidFill>
+                <a:srgbClr val="000066"/>
+              </a:solidFill>
+              <a:latin typeface="微軟正黑體" pitchFamily="34" charset="-120"/>
+              <a:ea typeface="微軟正黑體" pitchFamily="34" charset="-120"/>
+            </a:endParaRPr>
+          </a:p>
+        </p:txBody>
+      </p:sp>
+    </p:spTree>
+    <p:extLst>
+      <p:ext uri="{BB962C8B-B14F-4D97-AF65-F5344CB8AC3E}">
+        <p14:creationId xmlns:p14="http://schemas.microsoft.com/office/powerpoint/2010/main" val="4160123800"/>
+      </p:ext>
+    </p:extLst>
+  </p:cSld>
+  <p:clrMapOvr>
+    <a:masterClrMapping/>
+  </p:clrMapOvr>
+</p:sld>
+</file>
+
+<file path=ppt/slides/slide4.xml><?xml version="1.0" encoding="utf-8"?>
+<p:sld xmlns:a="http://schemas.openxmlformats.org/drawingml/2006/main" xmlns:r="http://schemas.openxmlformats.org/officeDocument/2006/relationships" xmlns:p="http://schemas.openxmlformats.org/presentationml/2006/main">
+  <p:cSld>
+    <p:spTree>
+      <p:nvGrpSpPr>
+        <p:cNvPr id="1" name=""/>
+        <p:cNvGrpSpPr/>
+        <p:nvPr/>
+      </p:nvGrpSpPr>
+      <p:grpSpPr>
+        <a:xfrm>
+          <a:off x="0" y="0"/>
+          <a:ext cx="0" cy="0"/>
+          <a:chOff x="0" y="0"/>
+          <a:chExt cx="0" cy="0"/>
+        </a:xfrm>
+      </p:grpSpPr>
+      <p:sp>
+        <p:nvSpPr>
+          <p:cNvPr id="5" name="內容版面配置區 4"/>
+          <p:cNvSpPr>
+            <a:spLocks noGrp="1"/>
+          </p:cNvSpPr>
+          <p:nvPr>
+            <p:ph idx="1"/>
+          </p:nvPr>
+        </p:nvSpPr>
+        <p:spPr>
+          <a:xfrm>
+            <a:off x="0" y="2084851"/>
+            <a:ext cx="12192000" cy="2404863"/>
+          </a:xfrm>
+        </p:spPr>
+        <p:txBody>
+          <a:bodyPr anchor="ctr">
+            <a:normAutofit/>
+          </a:bodyPr>
+          <a:lstStyle/>
+          <a:p>
+            <a:pPr algn="ctr">
+              <a:buNone/>
+            </a:pPr>
+            <a:r>
+              <a:rPr lang="zh-CN" altLang="en-US" sz="6400" b="1" dirty="0">
+                <a:solidFill>
+                  <a:srgbClr val="000066"/>
+                </a:solidFill>
+                <a:latin typeface="微軟正黑體" pitchFamily="34" charset="-120"/>
+                <a:ea typeface="微軟正黑體" pitchFamily="34" charset="-120"/>
+              </a:rPr>
+              <a:t>袮</a:t>
+            </a:r>
+            <a:r>
+              <a:rPr lang="zh-TW" altLang="en-US" sz="6400" b="1" dirty="0">
+                <a:solidFill>
+                  <a:srgbClr val="000066"/>
+                </a:solidFill>
+                <a:latin typeface="微軟正黑體" pitchFamily="34" charset="-120"/>
+                <a:ea typeface="微軟正黑體" pitchFamily="34" charset="-120"/>
+              </a:rPr>
+              <a:t>是我心靈的滿足</a:t>
+            </a:r>
+            <a:endParaRPr lang="en-US" altLang="zh-TW" sz="6400" b="1" dirty="0">
+              <a:solidFill>
+                <a:srgbClr val="000066"/>
+              </a:solidFill>
+              <a:latin typeface="微軟正黑體" pitchFamily="34" charset="-120"/>
+              <a:ea typeface="微軟正黑體" pitchFamily="34" charset="-120"/>
+            </a:endParaRPr>
+          </a:p>
+          <a:p>
+            <a:pPr algn="ctr">
+              <a:buNone/>
+            </a:pPr>
+            <a:r>
+              <a:rPr lang="zh-CN" altLang="en-US" sz="6400" b="1" dirty="0">
+                <a:solidFill>
+                  <a:srgbClr val="000066"/>
+                </a:solidFill>
+                <a:latin typeface="微軟正黑體" pitchFamily="34" charset="-120"/>
+                <a:ea typeface="微軟正黑體" pitchFamily="34" charset="-120"/>
+              </a:rPr>
+              <a:t>袮</a:t>
+            </a:r>
+            <a:r>
+              <a:rPr lang="zh-TW" altLang="en-US" sz="6400" b="1" dirty="0">
+                <a:solidFill>
+                  <a:srgbClr val="000066"/>
+                </a:solidFill>
+                <a:latin typeface="微軟正黑體" pitchFamily="34" charset="-120"/>
+                <a:ea typeface="微軟正黑體" pitchFamily="34" charset="-120"/>
+              </a:rPr>
+              <a:t>是我唯一的喜樂</a:t>
+            </a:r>
+            <a:endParaRPr lang="en-US" altLang="zh-TW" sz="6400" b="1" dirty="0">
+              <a:solidFill>
+                <a:srgbClr val="000066"/>
+              </a:solidFill>
+              <a:latin typeface="微軟正黑體" pitchFamily="34" charset="-120"/>
+              <a:ea typeface="微軟正黑體" pitchFamily="34" charset="-120"/>
+            </a:endParaRPr>
+          </a:p>
+        </p:txBody>
+      </p:sp>
+    </p:spTree>
+    <p:extLst>
+      <p:ext uri="{BB962C8B-B14F-4D97-AF65-F5344CB8AC3E}">
+        <p14:creationId xmlns:p14="http://schemas.microsoft.com/office/powerpoint/2010/main" val="421701650"/>
+      </p:ext>
+    </p:extLst>
+  </p:cSld>
+  <p:clrMapOvr>
+    <a:masterClrMapping/>
+  </p:clrMapOvr>
+</p:sld>
+</file>
+
+<file path=ppt/slides/slide5.xml><?xml version="1.0" encoding="utf-8"?>
+<p:sld xmlns:a="http://schemas.openxmlformats.org/drawingml/2006/main" xmlns:r="http://schemas.openxmlformats.org/officeDocument/2006/relationships" xmlns:p="http://schemas.openxmlformats.org/presentationml/2006/main">
+  <p:cSld>
+    <p:spTree>
+      <p:nvGrpSpPr>
+        <p:cNvPr id="1" name=""/>
+        <p:cNvGrpSpPr/>
+        <p:nvPr/>
+      </p:nvGrpSpPr>
+      <p:grpSpPr>
+        <a:xfrm>
+          <a:off x="0" y="0"/>
+          <a:ext cx="0" cy="0"/>
+          <a:chOff x="0" y="0"/>
+          <a:chExt cx="0" cy="0"/>
+        </a:xfrm>
+      </p:grpSpPr>
+      <p:sp>
+        <p:nvSpPr>
+          <p:cNvPr id="5" name="內容版面配置區 4"/>
+          <p:cNvSpPr>
+            <a:spLocks noGrp="1"/>
+          </p:cNvSpPr>
+          <p:nvPr>
+            <p:ph idx="1"/>
+          </p:nvPr>
+        </p:nvSpPr>
+        <p:spPr>
+          <a:xfrm>
+            <a:off x="0" y="2084851"/>
+            <a:ext cx="12192000" cy="2404863"/>
+          </a:xfrm>
+        </p:spPr>
+        <p:txBody>
+          <a:bodyPr anchor="ctr">
+            <a:normAutofit/>
+          </a:bodyPr>
+          <a:lstStyle/>
+          <a:p>
+            <a:pPr algn="ctr">
+              <a:buNone/>
+            </a:pPr>
+            <a:r>
+              <a:rPr lang="zh-TW" altLang="en-US" sz="6400" b="1" dirty="0">
+                <a:solidFill>
+                  <a:srgbClr val="000066"/>
                 </a:solidFill>
                 <a:latin typeface="微軟正黑體" pitchFamily="34" charset="-120"/>
                 <a:ea typeface="微軟正黑體" pitchFamily="34" charset="-120"/>
@@ -3663,9 +3614,9 @@
               <a:t>在</a:t>
             </a:r>
             <a:r>
-              <a:rPr lang="zh-CN" altLang="en-US" sz="5400" b="1" dirty="0">
-                <a:solidFill>
-                  <a:srgbClr val="660033"/>
+              <a:rPr lang="zh-CN" altLang="en-US" sz="6400" b="1" dirty="0">
+                <a:solidFill>
+                  <a:srgbClr val="000066"/>
                 </a:solidFill>
                 <a:latin typeface="微軟正黑體" pitchFamily="34" charset="-120"/>
                 <a:ea typeface="微軟正黑體" pitchFamily="34" charset="-120"/>
@@ -3673,38 +3624,58 @@
               <a:t>袮</a:t>
             </a:r>
             <a:r>
-              <a:rPr lang="zh-TW" altLang="en-US" sz="5400" b="1" dirty="0" smtClean="0">
-                <a:solidFill>
-                  <a:srgbClr val="660033"/>
+              <a:rPr lang="zh-TW" altLang="en-US" sz="6400" b="1" dirty="0">
+                <a:solidFill>
+                  <a:srgbClr val="000066"/>
                 </a:solidFill>
                 <a:latin typeface="微軟正黑體" pitchFamily="34" charset="-120"/>
                 <a:ea typeface="微軟正黑體" pitchFamily="34" charset="-120"/>
               </a:rPr>
-              <a:t>的</a:t>
-            </a:r>
-            <a:r>
-              <a:rPr lang="zh-TW" altLang="en-US" sz="5400" b="1" dirty="0">
-                <a:solidFill>
-                  <a:srgbClr val="660033"/>
+              <a:t>的座前</a:t>
+            </a:r>
+            <a:r>
+              <a:rPr lang="en-US" altLang="zh-TW" sz="6400" b="1" dirty="0">
+                <a:solidFill>
+                  <a:srgbClr val="000066"/>
                 </a:solidFill>
                 <a:latin typeface="微軟正黑體" pitchFamily="34" charset="-120"/>
                 <a:ea typeface="微軟正黑體" pitchFamily="34" charset="-120"/>
               </a:rPr>
-              <a:t>座</a:t>
-            </a:r>
-            <a:r>
-              <a:rPr lang="zh-TW" altLang="en-US" sz="5400" b="1" dirty="0">
-                <a:solidFill>
-                  <a:srgbClr val="660033"/>
+              <a:t>  </a:t>
+            </a:r>
+            <a:r>
+              <a:rPr lang="zh-TW" altLang="en-US" sz="6400" b="1" dirty="0">
+                <a:solidFill>
+                  <a:srgbClr val="000066"/>
                 </a:solidFill>
                 <a:latin typeface="微軟正黑體" pitchFamily="34" charset="-120"/>
                 <a:ea typeface="微軟正黑體" pitchFamily="34" charset="-120"/>
               </a:rPr>
-              <a:t>前</a:t>
-            </a:r>
-            <a:endParaRPr lang="en-US" altLang="zh-TW" sz="5400" b="1" dirty="0">
+              <a:t>我思想</a:t>
+            </a:r>
+            <a:r>
+              <a:rPr lang="zh-CN" altLang="en-US" sz="6400" b="1" dirty="0">
+                <a:solidFill>
+                  <a:srgbClr val="000066"/>
+                </a:solidFill>
+                <a:latin typeface="微軟正黑體" pitchFamily="34" charset="-120"/>
+                <a:ea typeface="微軟正黑體" pitchFamily="34" charset="-120"/>
+              </a:rPr>
+              <a:t>袮</a:t>
+            </a:r>
+            <a:r>
+              <a:rPr lang="zh-TW" altLang="en-US" sz="6400" b="1" dirty="0">
+                <a:solidFill>
+                  <a:srgbClr val="000066"/>
+                </a:solidFill>
+                <a:latin typeface="微軟正黑體" pitchFamily="34" charset="-120"/>
+                <a:ea typeface="微軟正黑體" pitchFamily="34" charset="-120"/>
+              </a:rPr>
+              <a:t>恩典</a:t>
+            </a:r>
+            <a:endParaRPr lang="en-US" altLang="zh-TW" sz="6400" b="1" dirty="0">
               <a:solidFill>
-                <a:srgbClr val="660033"/>
+                <a:srgbClr val="000066"/>
               </a:solidFill>
               <a:latin typeface="微軟正黑體" pitchFamily="34" charset="-120"/>
               <a:ea typeface="微軟正黑體" pitchFamily="34" charset="-120"/>
@@ -3715,128 +3686,41 @@
               <a:buNone/>
             </a:pPr>
             <a:r>
-              <a:rPr lang="zh-TW" altLang="en-US" sz="5400" b="1" dirty="0">
-                <a:solidFill>
-                  <a:srgbClr val="660033"/>
+              <a:rPr lang="zh-TW" altLang="en-US" sz="6400" b="1" dirty="0">
+                <a:solidFill>
+                  <a:srgbClr val="000066"/>
                 </a:solidFill>
                 <a:latin typeface="微軟正黑體" pitchFamily="34" charset="-120"/>
                 <a:ea typeface="微軟正黑體" pitchFamily="34" charset="-120"/>
               </a:rPr>
-              <a:t>我</a:t>
-            </a:r>
-            <a:r>
-              <a:rPr lang="zh-TW" altLang="en-US" sz="5400" b="1" dirty="0">
-                <a:solidFill>
-                  <a:srgbClr val="660033"/>
-                </a:solidFill>
-                <a:latin typeface="微軟正黑體" pitchFamily="34" charset="-120"/>
-                <a:ea typeface="微軟正黑體" pitchFamily="34" charset="-120"/>
-              </a:rPr>
-              <a:t>思</a:t>
-            </a:r>
-            <a:r>
-              <a:rPr lang="zh-TW" altLang="en-US" sz="5400" b="1" dirty="0" smtClean="0">
-                <a:solidFill>
-                  <a:srgbClr val="660033"/>
-                </a:solidFill>
-                <a:latin typeface="微軟正黑體" pitchFamily="34" charset="-120"/>
-                <a:ea typeface="微軟正黑體" pitchFamily="34" charset="-120"/>
-              </a:rPr>
-              <a:t>想</a:t>
-            </a:r>
-            <a:r>
-              <a:rPr lang="zh-CN" altLang="en-US" sz="5400" b="1" dirty="0">
-                <a:solidFill>
-                  <a:srgbClr val="660033"/>
+              <a:t>我的神我要敬拜</a:t>
+            </a:r>
+            <a:r>
+              <a:rPr lang="zh-CN" altLang="en-US" sz="6400" b="1" dirty="0">
+                <a:solidFill>
+                  <a:srgbClr val="000066"/>
                 </a:solidFill>
                 <a:latin typeface="微軟正黑體" pitchFamily="34" charset="-120"/>
                 <a:ea typeface="微軟正黑體" pitchFamily="34" charset="-120"/>
               </a:rPr>
               <a:t>袮</a:t>
             </a:r>
-            <a:r>
-              <a:rPr lang="zh-TW" altLang="en-US" sz="5400" b="1" dirty="0" smtClean="0">
-                <a:solidFill>
-                  <a:srgbClr val="660033"/>
-                </a:solidFill>
-                <a:latin typeface="微軟正黑體" pitchFamily="34" charset="-120"/>
-                <a:ea typeface="微軟正黑體" pitchFamily="34" charset="-120"/>
-              </a:rPr>
-              <a:t>恩</a:t>
-            </a:r>
-            <a:r>
-              <a:rPr lang="zh-TW" altLang="en-US" sz="5400" b="1" dirty="0">
-                <a:solidFill>
-                  <a:srgbClr val="660033"/>
-                </a:solidFill>
-                <a:latin typeface="微軟正黑體" pitchFamily="34" charset="-120"/>
-                <a:ea typeface="微軟正黑體" pitchFamily="34" charset="-120"/>
-              </a:rPr>
-              <a:t>典</a:t>
-            </a:r>
-            <a:endParaRPr lang="en-US" altLang="zh-TW" sz="5400" b="1" dirty="0">
+            <a:endParaRPr lang="zh-TW" altLang="en-US" sz="6400" b="1" dirty="0">
               <a:solidFill>
-                <a:srgbClr val="660033"/>
+                <a:srgbClr val="000066"/>
               </a:solidFill>
               <a:latin typeface="微軟正黑體" pitchFamily="34" charset="-120"/>
               <a:ea typeface="微軟正黑體" pitchFamily="34" charset="-120"/>
             </a:endParaRPr>
           </a:p>
-          <a:p>
-            <a:pPr algn="ctr">
-              <a:buNone/>
-            </a:pPr>
-            <a:r>
-              <a:rPr lang="zh-TW" altLang="en-US" sz="5400" b="1" dirty="0">
-                <a:solidFill>
-                  <a:srgbClr val="660033"/>
-                </a:solidFill>
-                <a:latin typeface="微軟正黑體" pitchFamily="34" charset="-120"/>
-                <a:ea typeface="微軟正黑體" pitchFamily="34" charset="-120"/>
-              </a:rPr>
-              <a:t>我</a:t>
-            </a:r>
-            <a:r>
-              <a:rPr lang="zh-TW" altLang="en-US" sz="5400" b="1" dirty="0">
-                <a:solidFill>
-                  <a:srgbClr val="660033"/>
-                </a:solidFill>
-                <a:latin typeface="微軟正黑體" pitchFamily="34" charset="-120"/>
-                <a:ea typeface="微軟正黑體" pitchFamily="34" charset="-120"/>
-              </a:rPr>
-              <a:t>的神我要敬</a:t>
-            </a:r>
-            <a:r>
-              <a:rPr lang="zh-TW" altLang="en-US" sz="5400" b="1" dirty="0" smtClean="0">
-                <a:solidFill>
-                  <a:srgbClr val="660033"/>
-                </a:solidFill>
-                <a:latin typeface="微軟正黑體" pitchFamily="34" charset="-120"/>
-                <a:ea typeface="微軟正黑體" pitchFamily="34" charset="-120"/>
-              </a:rPr>
-              <a:t>拜</a:t>
-            </a:r>
-            <a:r>
-              <a:rPr lang="zh-CN" altLang="en-US" sz="5400" b="1" dirty="0">
-                <a:solidFill>
-                  <a:srgbClr val="660033"/>
-                </a:solidFill>
-                <a:latin typeface="微軟正黑體" pitchFamily="34" charset="-120"/>
-                <a:ea typeface="微軟正黑體" pitchFamily="34" charset="-120"/>
-              </a:rPr>
-              <a:t>袮</a:t>
-            </a:r>
-            <a:endParaRPr lang="zh-TW" altLang="en-US" sz="5400" b="1" dirty="0">
-              <a:solidFill>
-                <a:srgbClr val="660033"/>
-              </a:solidFill>
-              <a:latin typeface="微軟正黑體" pitchFamily="34" charset="-120"/>
-              <a:ea typeface="微軟正黑體" pitchFamily="34" charset="-120"/>
-            </a:endParaRPr>
-          </a:p>
         </p:txBody>
       </p:sp>
     </p:spTree>
+    <p:extLst>
+      <p:ext uri="{BB962C8B-B14F-4D97-AF65-F5344CB8AC3E}">
+        <p14:creationId xmlns:p14="http://schemas.microsoft.com/office/powerpoint/2010/main" val="2502077383"/>
+      </p:ext>
+    </p:extLst>
   </p:cSld>
   <p:clrMapOvr>
     <a:masterClrMapping/>
